--- a/images/Lecture 25 Figures.pptx
+++ b/images/Lecture 25 Figures.pptx
@@ -4,9 +4,14 @@
   <p:sldMasterIdLst>
     <p:sldMasterId id="2147483648" r:id="rId1"/>
   </p:sldMasterIdLst>
+  <p:notesMasterIdLst>
+    <p:notesMasterId r:id="rId6"/>
+  </p:notesMasterIdLst>
   <p:sldIdLst>
     <p:sldId id="263" r:id="rId2"/>
     <p:sldId id="264" r:id="rId3"/>
+    <p:sldId id="265" r:id="rId4"/>
+    <p:sldId id="266" r:id="rId5"/>
   </p:sldIdLst>
   <p:sldSz cx="12192000" cy="6858000"/>
   <p:notesSz cx="6858000" cy="9144000"/>
@@ -111,6 +116,439 @@
     </p:ext>
   </p:extLst>
 </p:presentation>
+</file>
+
+<file path=ppt/notesMasters/notesMaster1.xml><?xml version="1.0" encoding="utf-8"?>
+<p:notesMaster xmlns:a="http://schemas.openxmlformats.org/drawingml/2006/main" xmlns:r="http://schemas.openxmlformats.org/officeDocument/2006/relationships" xmlns:p="http://schemas.openxmlformats.org/presentationml/2006/main">
+  <p:cSld>
+    <p:bg>
+      <p:bgRef idx="1001">
+        <a:schemeClr val="bg1"/>
+      </p:bgRef>
+    </p:bg>
+    <p:spTree>
+      <p:nvGrpSpPr>
+        <p:cNvPr id="1" name=""/>
+        <p:cNvGrpSpPr/>
+        <p:nvPr/>
+      </p:nvGrpSpPr>
+      <p:grpSpPr>
+        <a:xfrm>
+          <a:off x="0" y="0"/>
+          <a:ext cx="0" cy="0"/>
+          <a:chOff x="0" y="0"/>
+          <a:chExt cx="0" cy="0"/>
+        </a:xfrm>
+      </p:grpSpPr>
+      <p:sp>
+        <p:nvSpPr>
+          <p:cNvPr id="2" name="Header Placeholder 1"/>
+          <p:cNvSpPr>
+            <a:spLocks noGrp="1"/>
+          </p:cNvSpPr>
+          <p:nvPr>
+            <p:ph type="hdr" sz="quarter"/>
+          </p:nvPr>
+        </p:nvSpPr>
+        <p:spPr>
+          <a:xfrm>
+            <a:off x="0" y="0"/>
+            <a:ext cx="2971800" cy="458788"/>
+          </a:xfrm>
+          <a:prstGeom prst="rect">
+            <a:avLst/>
+          </a:prstGeom>
+        </p:spPr>
+        <p:txBody>
+          <a:bodyPr vert="horz" lIns="91440" tIns="45720" rIns="91440" bIns="45720" rtlCol="0"/>
+          <a:lstStyle>
+            <a:lvl1pPr algn="l">
+              <a:defRPr sz="1200"/>
+            </a:lvl1pPr>
+          </a:lstStyle>
+          <a:p>
+            <a:endParaRPr lang="en-US"/>
+          </a:p>
+        </p:txBody>
+      </p:sp>
+      <p:sp>
+        <p:nvSpPr>
+          <p:cNvPr id="3" name="Date Placeholder 2"/>
+          <p:cNvSpPr>
+            <a:spLocks noGrp="1"/>
+          </p:cNvSpPr>
+          <p:nvPr>
+            <p:ph type="dt" idx="1"/>
+          </p:nvPr>
+        </p:nvSpPr>
+        <p:spPr>
+          <a:xfrm>
+            <a:off x="3884613" y="0"/>
+            <a:ext cx="2971800" cy="458788"/>
+          </a:xfrm>
+          <a:prstGeom prst="rect">
+            <a:avLst/>
+          </a:prstGeom>
+        </p:spPr>
+        <p:txBody>
+          <a:bodyPr vert="horz" lIns="91440" tIns="45720" rIns="91440" bIns="45720" rtlCol="0"/>
+          <a:lstStyle>
+            <a:lvl1pPr algn="r">
+              <a:defRPr sz="1200"/>
+            </a:lvl1pPr>
+          </a:lstStyle>
+          <a:p>
+            <a:fld id="{B491C608-FB8A-B746-B5EC-EC48D26026E4}" type="datetimeFigureOut">
+              <a:rPr lang="en-US" smtClean="0"/>
+              <a:t>4/15/24</a:t>
+            </a:fld>
+            <a:endParaRPr lang="en-US"/>
+          </a:p>
+        </p:txBody>
+      </p:sp>
+      <p:sp>
+        <p:nvSpPr>
+          <p:cNvPr id="4" name="Slide Image Placeholder 3"/>
+          <p:cNvSpPr>
+            <a:spLocks noGrp="1" noRot="1" noChangeAspect="1"/>
+          </p:cNvSpPr>
+          <p:nvPr>
+            <p:ph type="sldImg" idx="2"/>
+          </p:nvPr>
+        </p:nvSpPr>
+        <p:spPr>
+          <a:xfrm>
+            <a:off x="685800" y="1143000"/>
+            <a:ext cx="5486400" cy="3086100"/>
+          </a:xfrm>
+          <a:prstGeom prst="rect">
+            <a:avLst/>
+          </a:prstGeom>
+          <a:noFill/>
+          <a:ln w="12700">
+            <a:solidFill>
+              <a:prstClr val="black"/>
+            </a:solidFill>
+          </a:ln>
+        </p:spPr>
+        <p:txBody>
+          <a:bodyPr vert="horz" lIns="91440" tIns="45720" rIns="91440" bIns="45720" rtlCol="0" anchor="ctr"/>
+          <a:lstStyle/>
+          <a:p>
+            <a:endParaRPr lang="en-US"/>
+          </a:p>
+        </p:txBody>
+      </p:sp>
+      <p:sp>
+        <p:nvSpPr>
+          <p:cNvPr id="5" name="Notes Placeholder 4"/>
+          <p:cNvSpPr>
+            <a:spLocks noGrp="1"/>
+          </p:cNvSpPr>
+          <p:nvPr>
+            <p:ph type="body" sz="quarter" idx="3"/>
+          </p:nvPr>
+        </p:nvSpPr>
+        <p:spPr>
+          <a:xfrm>
+            <a:off x="685800" y="4400550"/>
+            <a:ext cx="5486400" cy="3600450"/>
+          </a:xfrm>
+          <a:prstGeom prst="rect">
+            <a:avLst/>
+          </a:prstGeom>
+        </p:spPr>
+        <p:txBody>
+          <a:bodyPr vert="horz" lIns="91440" tIns="45720" rIns="91440" bIns="45720" rtlCol="0"/>
+          <a:lstStyle/>
+          <a:p>
+            <a:pPr lvl="0"/>
+            <a:r>
+              <a:rPr lang="en-US"/>
+              <a:t>Click to edit Master text styles</a:t>
+            </a:r>
+          </a:p>
+          <a:p>
+            <a:pPr lvl="1"/>
+            <a:r>
+              <a:rPr lang="en-US"/>
+              <a:t>Second level</a:t>
+            </a:r>
+          </a:p>
+          <a:p>
+            <a:pPr lvl="2"/>
+            <a:r>
+              <a:rPr lang="en-US"/>
+              <a:t>Third level</a:t>
+            </a:r>
+          </a:p>
+          <a:p>
+            <a:pPr lvl="3"/>
+            <a:r>
+              <a:rPr lang="en-US"/>
+              <a:t>Fourth level</a:t>
+            </a:r>
+          </a:p>
+          <a:p>
+            <a:pPr lvl="4"/>
+            <a:r>
+              <a:rPr lang="en-US"/>
+              <a:t>Fifth level</a:t>
+            </a:r>
+          </a:p>
+        </p:txBody>
+      </p:sp>
+      <p:sp>
+        <p:nvSpPr>
+          <p:cNvPr id="6" name="Footer Placeholder 5"/>
+          <p:cNvSpPr>
+            <a:spLocks noGrp="1"/>
+          </p:cNvSpPr>
+          <p:nvPr>
+            <p:ph type="ftr" sz="quarter" idx="4"/>
+          </p:nvPr>
+        </p:nvSpPr>
+        <p:spPr>
+          <a:xfrm>
+            <a:off x="0" y="8685213"/>
+            <a:ext cx="2971800" cy="458787"/>
+          </a:xfrm>
+          <a:prstGeom prst="rect">
+            <a:avLst/>
+          </a:prstGeom>
+        </p:spPr>
+        <p:txBody>
+          <a:bodyPr vert="horz" lIns="91440" tIns="45720" rIns="91440" bIns="45720" rtlCol="0" anchor="b"/>
+          <a:lstStyle>
+            <a:lvl1pPr algn="l">
+              <a:defRPr sz="1200"/>
+            </a:lvl1pPr>
+          </a:lstStyle>
+          <a:p>
+            <a:endParaRPr lang="en-US"/>
+          </a:p>
+        </p:txBody>
+      </p:sp>
+      <p:sp>
+        <p:nvSpPr>
+          <p:cNvPr id="7" name="Slide Number Placeholder 6"/>
+          <p:cNvSpPr>
+            <a:spLocks noGrp="1"/>
+          </p:cNvSpPr>
+          <p:nvPr>
+            <p:ph type="sldNum" sz="quarter" idx="5"/>
+          </p:nvPr>
+        </p:nvSpPr>
+        <p:spPr>
+          <a:xfrm>
+            <a:off x="3884613" y="8685213"/>
+            <a:ext cx="2971800" cy="458787"/>
+          </a:xfrm>
+          <a:prstGeom prst="rect">
+            <a:avLst/>
+          </a:prstGeom>
+        </p:spPr>
+        <p:txBody>
+          <a:bodyPr vert="horz" lIns="91440" tIns="45720" rIns="91440" bIns="45720" rtlCol="0" anchor="b"/>
+          <a:lstStyle>
+            <a:lvl1pPr algn="r">
+              <a:defRPr sz="1200"/>
+            </a:lvl1pPr>
+          </a:lstStyle>
+          <a:p>
+            <a:fld id="{A58AE224-EDEC-B741-BA6A-2F881722463F}" type="slidenum">
+              <a:rPr lang="en-US" smtClean="0"/>
+              <a:t>‹#›</a:t>
+            </a:fld>
+            <a:endParaRPr lang="en-US"/>
+          </a:p>
+        </p:txBody>
+      </p:sp>
+    </p:spTree>
+    <p:extLst>
+      <p:ext uri="{BB962C8B-B14F-4D97-AF65-F5344CB8AC3E}">
+        <p14:creationId xmlns:p14="http://schemas.microsoft.com/office/powerpoint/2010/main" val="3781920147"/>
+      </p:ext>
+    </p:extLst>
+  </p:cSld>
+  <p:clrMap bg1="lt1" tx1="dk1" bg2="lt2" tx2="dk2" accent1="accent1" accent2="accent2" accent3="accent3" accent4="accent4" accent5="accent5" accent6="accent6" hlink="hlink" folHlink="folHlink"/>
+  <p:notesStyle>
+    <a:lvl1pPr marL="0" algn="l" defTabSz="914400" rtl="0" eaLnBrk="1" latinLnBrk="0" hangingPunct="1">
+      <a:defRPr sz="1200" kern="1200">
+        <a:solidFill>
+          <a:schemeClr val="tx1"/>
+        </a:solidFill>
+        <a:latin typeface="+mn-lt"/>
+        <a:ea typeface="+mn-ea"/>
+        <a:cs typeface="+mn-cs"/>
+      </a:defRPr>
+    </a:lvl1pPr>
+    <a:lvl2pPr marL="457200" algn="l" defTabSz="914400" rtl="0" eaLnBrk="1" latinLnBrk="0" hangingPunct="1">
+      <a:defRPr sz="1200" kern="1200">
+        <a:solidFill>
+          <a:schemeClr val="tx1"/>
+        </a:solidFill>
+        <a:latin typeface="+mn-lt"/>
+        <a:ea typeface="+mn-ea"/>
+        <a:cs typeface="+mn-cs"/>
+      </a:defRPr>
+    </a:lvl2pPr>
+    <a:lvl3pPr marL="914400" algn="l" defTabSz="914400" rtl="0" eaLnBrk="1" latinLnBrk="0" hangingPunct="1">
+      <a:defRPr sz="1200" kern="1200">
+        <a:solidFill>
+          <a:schemeClr val="tx1"/>
+        </a:solidFill>
+        <a:latin typeface="+mn-lt"/>
+        <a:ea typeface="+mn-ea"/>
+        <a:cs typeface="+mn-cs"/>
+      </a:defRPr>
+    </a:lvl3pPr>
+    <a:lvl4pPr marL="1371600" algn="l" defTabSz="914400" rtl="0" eaLnBrk="1" latinLnBrk="0" hangingPunct="1">
+      <a:defRPr sz="1200" kern="1200">
+        <a:solidFill>
+          <a:schemeClr val="tx1"/>
+        </a:solidFill>
+        <a:latin typeface="+mn-lt"/>
+        <a:ea typeface="+mn-ea"/>
+        <a:cs typeface="+mn-cs"/>
+      </a:defRPr>
+    </a:lvl4pPr>
+    <a:lvl5pPr marL="1828800" algn="l" defTabSz="914400" rtl="0" eaLnBrk="1" latinLnBrk="0" hangingPunct="1">
+      <a:defRPr sz="1200" kern="1200">
+        <a:solidFill>
+          <a:schemeClr val="tx1"/>
+        </a:solidFill>
+        <a:latin typeface="+mn-lt"/>
+        <a:ea typeface="+mn-ea"/>
+        <a:cs typeface="+mn-cs"/>
+      </a:defRPr>
+    </a:lvl5pPr>
+    <a:lvl6pPr marL="2286000" algn="l" defTabSz="914400" rtl="0" eaLnBrk="1" latinLnBrk="0" hangingPunct="1">
+      <a:defRPr sz="1200" kern="1200">
+        <a:solidFill>
+          <a:schemeClr val="tx1"/>
+        </a:solidFill>
+        <a:latin typeface="+mn-lt"/>
+        <a:ea typeface="+mn-ea"/>
+        <a:cs typeface="+mn-cs"/>
+      </a:defRPr>
+    </a:lvl6pPr>
+    <a:lvl7pPr marL="2743200" algn="l" defTabSz="914400" rtl="0" eaLnBrk="1" latinLnBrk="0" hangingPunct="1">
+      <a:defRPr sz="1200" kern="1200">
+        <a:solidFill>
+          <a:schemeClr val="tx1"/>
+        </a:solidFill>
+        <a:latin typeface="+mn-lt"/>
+        <a:ea typeface="+mn-ea"/>
+        <a:cs typeface="+mn-cs"/>
+      </a:defRPr>
+    </a:lvl7pPr>
+    <a:lvl8pPr marL="3200400" algn="l" defTabSz="914400" rtl="0" eaLnBrk="1" latinLnBrk="0" hangingPunct="1">
+      <a:defRPr sz="1200" kern="1200">
+        <a:solidFill>
+          <a:schemeClr val="tx1"/>
+        </a:solidFill>
+        <a:latin typeface="+mn-lt"/>
+        <a:ea typeface="+mn-ea"/>
+        <a:cs typeface="+mn-cs"/>
+      </a:defRPr>
+    </a:lvl8pPr>
+    <a:lvl9pPr marL="3657600" algn="l" defTabSz="914400" rtl="0" eaLnBrk="1" latinLnBrk="0" hangingPunct="1">
+      <a:defRPr sz="1200" kern="1200">
+        <a:solidFill>
+          <a:schemeClr val="tx1"/>
+        </a:solidFill>
+        <a:latin typeface="+mn-lt"/>
+        <a:ea typeface="+mn-ea"/>
+        <a:cs typeface="+mn-cs"/>
+      </a:defRPr>
+    </a:lvl9pPr>
+  </p:notesStyle>
+</p:notesMaster>
+</file>
+
+<file path=ppt/notesSlides/notesSlide1.xml><?xml version="1.0" encoding="utf-8"?>
+<p:notes xmlns:a="http://schemas.openxmlformats.org/drawingml/2006/main" xmlns:r="http://schemas.openxmlformats.org/officeDocument/2006/relationships" xmlns:p="http://schemas.openxmlformats.org/presentationml/2006/main">
+  <p:cSld>
+    <p:spTree>
+      <p:nvGrpSpPr>
+        <p:cNvPr id="1" name=""/>
+        <p:cNvGrpSpPr/>
+        <p:nvPr/>
+      </p:nvGrpSpPr>
+      <p:grpSpPr>
+        <a:xfrm>
+          <a:off x="0" y="0"/>
+          <a:ext cx="0" cy="0"/>
+          <a:chOff x="0" y="0"/>
+          <a:chExt cx="0" cy="0"/>
+        </a:xfrm>
+      </p:grpSpPr>
+      <p:sp>
+        <p:nvSpPr>
+          <p:cNvPr id="2" name="Slide Image Placeholder 1"/>
+          <p:cNvSpPr>
+            <a:spLocks noGrp="1" noRot="1" noChangeAspect="1"/>
+          </p:cNvSpPr>
+          <p:nvPr>
+            <p:ph type="sldImg"/>
+          </p:nvPr>
+        </p:nvSpPr>
+        <p:spPr/>
+      </p:sp>
+      <p:sp>
+        <p:nvSpPr>
+          <p:cNvPr id="3" name="Notes Placeholder 2"/>
+          <p:cNvSpPr>
+            <a:spLocks noGrp="1"/>
+          </p:cNvSpPr>
+          <p:nvPr>
+            <p:ph type="body" idx="1"/>
+          </p:nvPr>
+        </p:nvSpPr>
+        <p:spPr/>
+        <p:txBody>
+          <a:bodyPr/>
+          <a:lstStyle/>
+          <a:p>
+            <a:endParaRPr lang="en-US"/>
+          </a:p>
+        </p:txBody>
+      </p:sp>
+      <p:sp>
+        <p:nvSpPr>
+          <p:cNvPr id="4" name="Slide Number Placeholder 3"/>
+          <p:cNvSpPr>
+            <a:spLocks noGrp="1"/>
+          </p:cNvSpPr>
+          <p:nvPr>
+            <p:ph type="sldNum" sz="quarter" idx="5"/>
+          </p:nvPr>
+        </p:nvSpPr>
+        <p:spPr/>
+        <p:txBody>
+          <a:bodyPr/>
+          <a:lstStyle/>
+          <a:p>
+            <a:fld id="{A58AE224-EDEC-B741-BA6A-2F881722463F}" type="slidenum">
+              <a:rPr lang="en-US" smtClean="0"/>
+              <a:t>4</a:t>
+            </a:fld>
+            <a:endParaRPr lang="en-US"/>
+          </a:p>
+        </p:txBody>
+      </p:sp>
+    </p:spTree>
+    <p:extLst>
+      <p:ext uri="{BB962C8B-B14F-4D97-AF65-F5344CB8AC3E}">
+        <p14:creationId xmlns:p14="http://schemas.microsoft.com/office/powerpoint/2010/main" val="238070996"/>
+      </p:ext>
+    </p:extLst>
+  </p:cSld>
+  <p:clrMapOvr>
+    <a:masterClrMapping/>
+  </p:clrMapOvr>
+</p:notes>
 </file>
 
 <file path=ppt/slideLayouts/slideLayout1.xml><?xml version="1.0" encoding="utf-8"?>
@@ -5459,6 +5897,2331 @@
 </p:sld>
 </file>
 
+<file path=ppt/slides/slide3.xml><?xml version="1.0" encoding="utf-8"?>
+<p:sld xmlns:a="http://schemas.openxmlformats.org/drawingml/2006/main" xmlns:r="http://schemas.openxmlformats.org/officeDocument/2006/relationships" xmlns:p="http://schemas.openxmlformats.org/presentationml/2006/main">
+  <p:cSld>
+    <p:spTree>
+      <p:nvGrpSpPr>
+        <p:cNvPr id="1" name=""/>
+        <p:cNvGrpSpPr/>
+        <p:nvPr/>
+      </p:nvGrpSpPr>
+      <p:grpSpPr>
+        <a:xfrm>
+          <a:off x="0" y="0"/>
+          <a:ext cx="0" cy="0"/>
+          <a:chOff x="0" y="0"/>
+          <a:chExt cx="0" cy="0"/>
+        </a:xfrm>
+      </p:grpSpPr>
+      <p:sp>
+        <p:nvSpPr>
+          <p:cNvPr id="8" name="Rectangle 7">
+            <a:extLst>
+              <a:ext uri="{FF2B5EF4-FFF2-40B4-BE49-F238E27FC236}">
+                <a16:creationId xmlns:a16="http://schemas.microsoft.com/office/drawing/2014/main" id="{050A4B73-2FE1-2623-B09A-89CCD693DDBB}"/>
+              </a:ext>
+            </a:extLst>
+          </p:cNvPr>
+          <p:cNvSpPr/>
+          <p:nvPr/>
+        </p:nvSpPr>
+        <p:spPr>
+          <a:xfrm>
+            <a:off x="2934729" y="1351110"/>
+            <a:ext cx="3657600" cy="2349348"/>
+          </a:xfrm>
+          <a:prstGeom prst="rect">
+            <a:avLst/>
+          </a:prstGeom>
+          <a:noFill/>
+          <a:ln w="47625">
+            <a:solidFill>
+              <a:schemeClr val="accent1">
+                <a:lumMod val="50000"/>
+              </a:schemeClr>
+            </a:solidFill>
+          </a:ln>
+        </p:spPr>
+        <p:style>
+          <a:lnRef idx="2">
+            <a:schemeClr val="accent1">
+              <a:shade val="15000"/>
+            </a:schemeClr>
+          </a:lnRef>
+          <a:fillRef idx="1">
+            <a:schemeClr val="accent1"/>
+          </a:fillRef>
+          <a:effectRef idx="0">
+            <a:schemeClr val="accent1"/>
+          </a:effectRef>
+          <a:fontRef idx="minor">
+            <a:schemeClr val="lt1"/>
+          </a:fontRef>
+        </p:style>
+        <p:txBody>
+          <a:bodyPr rtlCol="0" anchor="ctr"/>
+          <a:lstStyle/>
+          <a:p>
+            <a:pPr algn="ctr"/>
+            <a:endParaRPr lang="en-US"/>
+          </a:p>
+        </p:txBody>
+      </p:sp>
+      <p:sp>
+        <p:nvSpPr>
+          <p:cNvPr id="9" name="Rectangle 8">
+            <a:extLst>
+              <a:ext uri="{FF2B5EF4-FFF2-40B4-BE49-F238E27FC236}">
+                <a16:creationId xmlns:a16="http://schemas.microsoft.com/office/drawing/2014/main" id="{219FF550-3CDB-59EB-B4CD-2A6F9B093BE3}"/>
+              </a:ext>
+            </a:extLst>
+          </p:cNvPr>
+          <p:cNvSpPr/>
+          <p:nvPr/>
+        </p:nvSpPr>
+        <p:spPr>
+          <a:xfrm>
+            <a:off x="418853" y="1345321"/>
+            <a:ext cx="2146291" cy="2349347"/>
+          </a:xfrm>
+          <a:prstGeom prst="rect">
+            <a:avLst/>
+          </a:prstGeom>
+          <a:noFill/>
+          <a:ln w="47625">
+            <a:solidFill>
+              <a:schemeClr val="accent1">
+                <a:lumMod val="50000"/>
+              </a:schemeClr>
+            </a:solidFill>
+          </a:ln>
+        </p:spPr>
+        <p:style>
+          <a:lnRef idx="2">
+            <a:schemeClr val="accent1">
+              <a:shade val="15000"/>
+            </a:schemeClr>
+          </a:lnRef>
+          <a:fillRef idx="1">
+            <a:schemeClr val="accent1"/>
+          </a:fillRef>
+          <a:effectRef idx="0">
+            <a:schemeClr val="accent1"/>
+          </a:effectRef>
+          <a:fontRef idx="minor">
+            <a:schemeClr val="lt1"/>
+          </a:fontRef>
+        </p:style>
+        <p:txBody>
+          <a:bodyPr rtlCol="0" anchor="ctr"/>
+          <a:lstStyle/>
+          <a:p>
+            <a:pPr algn="ctr"/>
+            <a:endParaRPr lang="en-US"/>
+          </a:p>
+        </p:txBody>
+      </p:sp>
+      <p:sp>
+        <p:nvSpPr>
+          <p:cNvPr id="10" name="Rectangle 9">
+            <a:extLst>
+              <a:ext uri="{FF2B5EF4-FFF2-40B4-BE49-F238E27FC236}">
+                <a16:creationId xmlns:a16="http://schemas.microsoft.com/office/drawing/2014/main" id="{E9261CFA-E048-79CE-AEFB-B6B25490B7E6}"/>
+              </a:ext>
+            </a:extLst>
+          </p:cNvPr>
+          <p:cNvSpPr/>
+          <p:nvPr/>
+        </p:nvSpPr>
+        <p:spPr>
+          <a:xfrm>
+            <a:off x="7021486" y="1345322"/>
+            <a:ext cx="3657600" cy="3657600"/>
+          </a:xfrm>
+          <a:prstGeom prst="rect">
+            <a:avLst/>
+          </a:prstGeom>
+          <a:noFill/>
+          <a:ln w="47625">
+            <a:solidFill>
+              <a:schemeClr val="accent1">
+                <a:lumMod val="50000"/>
+              </a:schemeClr>
+            </a:solidFill>
+          </a:ln>
+        </p:spPr>
+        <p:style>
+          <a:lnRef idx="2">
+            <a:schemeClr val="accent1">
+              <a:shade val="15000"/>
+            </a:schemeClr>
+          </a:lnRef>
+          <a:fillRef idx="1">
+            <a:schemeClr val="accent1"/>
+          </a:fillRef>
+          <a:effectRef idx="0">
+            <a:schemeClr val="accent1"/>
+          </a:effectRef>
+          <a:fontRef idx="minor">
+            <a:schemeClr val="lt1"/>
+          </a:fontRef>
+        </p:style>
+        <p:txBody>
+          <a:bodyPr rtlCol="0" anchor="ctr"/>
+          <a:lstStyle/>
+          <a:p>
+            <a:pPr algn="ctr"/>
+            <a:endParaRPr lang="en-US"/>
+          </a:p>
+        </p:txBody>
+      </p:sp>
+      <mc:AlternateContent xmlns:mc="http://schemas.openxmlformats.org/markup-compatibility/2006">
+        <mc:Choice xmlns:a14="http://schemas.microsoft.com/office/drawing/2010/main" Requires="a14">
+          <p:sp>
+            <p:nvSpPr>
+              <p:cNvPr id="24" name="TextBox 23">
+                <a:extLst>
+                  <a:ext uri="{FF2B5EF4-FFF2-40B4-BE49-F238E27FC236}">
+                    <a16:creationId xmlns:a16="http://schemas.microsoft.com/office/drawing/2014/main" id="{7683AFD6-A947-1010-72DF-D65FD6A74A47}"/>
+                  </a:ext>
+                </a:extLst>
+              </p:cNvPr>
+              <p:cNvSpPr txBox="1"/>
+              <p:nvPr/>
+            </p:nvSpPr>
+            <p:spPr>
+              <a:xfrm flipH="1">
+                <a:off x="1061892" y="662422"/>
+                <a:ext cx="902044" cy="677108"/>
+              </a:xfrm>
+              <a:prstGeom prst="rect">
+                <a:avLst/>
+              </a:prstGeom>
+              <a:noFill/>
+            </p:spPr>
+            <p:txBody>
+              <a:bodyPr wrap="square" lIns="0" tIns="0" rIns="0" bIns="0" rtlCol="0">
+                <a:spAutoFit/>
+              </a:bodyPr>
+              <a:lstStyle/>
+              <a:p>
+                <a:pPr/>
+                <a14:m>
+                  <m:oMathPara xmlns:m="http://schemas.openxmlformats.org/officeDocument/2006/math">
+                    <m:oMathParaPr>
+                      <m:jc m:val="centerGroup"/>
+                    </m:oMathParaPr>
+                    <m:oMath xmlns:m="http://schemas.openxmlformats.org/officeDocument/2006/math">
+                      <m:r>
+                        <a:rPr lang="en-US" sz="4400" b="0" i="1" smtClean="0">
+                          <a:latin typeface="Cambria Math" panose="02040503050406030204" pitchFamily="18" charset="0"/>
+                        </a:rPr>
+                        <m:t>𝑈</m:t>
+                      </m:r>
+                    </m:oMath>
+                  </m:oMathPara>
+                </a14:m>
+                <a:endParaRPr lang="en-US" sz="4400" dirty="0"/>
+              </a:p>
+            </p:txBody>
+          </p:sp>
+        </mc:Choice>
+        <mc:Fallback>
+          <p:sp>
+            <p:nvSpPr>
+              <p:cNvPr id="24" name="TextBox 23">
+                <a:extLst>
+                  <a:ext uri="{FF2B5EF4-FFF2-40B4-BE49-F238E27FC236}">
+                    <a16:creationId xmlns:a16="http://schemas.microsoft.com/office/drawing/2014/main" id="{7683AFD6-A947-1010-72DF-D65FD6A74A47}"/>
+                  </a:ext>
+                </a:extLst>
+              </p:cNvPr>
+              <p:cNvSpPr txBox="1">
+                <a:spLocks noRot="1" noChangeAspect="1" noMove="1" noResize="1" noEditPoints="1" noAdjustHandles="1" noChangeArrowheads="1" noChangeShapeType="1" noTextEdit="1"/>
+              </p:cNvSpPr>
+              <p:nvPr/>
+            </p:nvSpPr>
+            <p:spPr>
+              <a:xfrm flipH="1">
+                <a:off x="1061892" y="662422"/>
+                <a:ext cx="902044" cy="677108"/>
+              </a:xfrm>
+              <a:prstGeom prst="rect">
+                <a:avLst/>
+              </a:prstGeom>
+              <a:blipFill>
+                <a:blip r:embed="rId2"/>
+                <a:stretch>
+                  <a:fillRect b="-5556"/>
+                </a:stretch>
+              </a:blipFill>
+            </p:spPr>
+            <p:txBody>
+              <a:bodyPr/>
+              <a:lstStyle/>
+              <a:p>
+                <a:r>
+                  <a:rPr lang="en-US">
+                    <a:noFill/>
+                  </a:rPr>
+                  <a:t> </a:t>
+                </a:r>
+              </a:p>
+            </p:txBody>
+          </p:sp>
+        </mc:Fallback>
+      </mc:AlternateContent>
+      <mc:AlternateContent xmlns:mc="http://schemas.openxmlformats.org/markup-compatibility/2006">
+        <mc:Choice xmlns:a14="http://schemas.microsoft.com/office/drawing/2010/main" Requires="a14">
+          <p:sp>
+            <p:nvSpPr>
+              <p:cNvPr id="25" name="TextBox 24">
+                <a:extLst>
+                  <a:ext uri="{FF2B5EF4-FFF2-40B4-BE49-F238E27FC236}">
+                    <a16:creationId xmlns:a16="http://schemas.microsoft.com/office/drawing/2014/main" id="{613DCB27-8D1E-D0AC-5CE1-877DC8CBB720}"/>
+                  </a:ext>
+                </a:extLst>
+              </p:cNvPr>
+              <p:cNvSpPr txBox="1"/>
+              <p:nvPr/>
+            </p:nvSpPr>
+            <p:spPr>
+              <a:xfrm flipH="1">
+                <a:off x="4312507" y="662422"/>
+                <a:ext cx="902044" cy="677108"/>
+              </a:xfrm>
+              <a:prstGeom prst="rect">
+                <a:avLst/>
+              </a:prstGeom>
+              <a:noFill/>
+            </p:spPr>
+            <p:txBody>
+              <a:bodyPr wrap="square" lIns="0" tIns="0" rIns="0" bIns="0" rtlCol="0">
+                <a:spAutoFit/>
+              </a:bodyPr>
+              <a:lstStyle/>
+              <a:p>
+                <a:pPr/>
+                <a14:m>
+                  <m:oMathPara xmlns:m="http://schemas.openxmlformats.org/officeDocument/2006/math">
+                    <m:oMathParaPr>
+                      <m:jc m:val="centerGroup"/>
+                    </m:oMathParaPr>
+                    <m:oMath xmlns:m="http://schemas.openxmlformats.org/officeDocument/2006/math">
+                      <m:r>
+                        <m:rPr>
+                          <m:sty m:val="p"/>
+                        </m:rPr>
+                        <a:rPr lang="en-US" sz="4400" b="0" i="0" smtClean="0">
+                          <a:latin typeface="Cambria Math" panose="02040503050406030204" pitchFamily="18" charset="0"/>
+                        </a:rPr>
+                        <m:t>Σ</m:t>
+                      </m:r>
+                    </m:oMath>
+                  </m:oMathPara>
+                </a14:m>
+                <a:endParaRPr lang="en-US" sz="4400" dirty="0"/>
+              </a:p>
+            </p:txBody>
+          </p:sp>
+        </mc:Choice>
+        <mc:Fallback>
+          <p:sp>
+            <p:nvSpPr>
+              <p:cNvPr id="25" name="TextBox 24">
+                <a:extLst>
+                  <a:ext uri="{FF2B5EF4-FFF2-40B4-BE49-F238E27FC236}">
+                    <a16:creationId xmlns:a16="http://schemas.microsoft.com/office/drawing/2014/main" id="{613DCB27-8D1E-D0AC-5CE1-877DC8CBB720}"/>
+                  </a:ext>
+                </a:extLst>
+              </p:cNvPr>
+              <p:cNvSpPr txBox="1">
+                <a:spLocks noRot="1" noChangeAspect="1" noMove="1" noResize="1" noEditPoints="1" noAdjustHandles="1" noChangeArrowheads="1" noChangeShapeType="1" noTextEdit="1"/>
+              </p:cNvSpPr>
+              <p:nvPr/>
+            </p:nvSpPr>
+            <p:spPr>
+              <a:xfrm flipH="1">
+                <a:off x="4312507" y="662422"/>
+                <a:ext cx="902044" cy="677108"/>
+              </a:xfrm>
+              <a:prstGeom prst="rect">
+                <a:avLst/>
+              </a:prstGeom>
+              <a:blipFill>
+                <a:blip r:embed="rId3"/>
+                <a:stretch>
+                  <a:fillRect b="-5556"/>
+                </a:stretch>
+              </a:blipFill>
+            </p:spPr>
+            <p:txBody>
+              <a:bodyPr/>
+              <a:lstStyle/>
+              <a:p>
+                <a:r>
+                  <a:rPr lang="en-US">
+                    <a:noFill/>
+                  </a:rPr>
+                  <a:t> </a:t>
+                </a:r>
+              </a:p>
+            </p:txBody>
+          </p:sp>
+        </mc:Fallback>
+      </mc:AlternateContent>
+      <mc:AlternateContent xmlns:mc="http://schemas.openxmlformats.org/markup-compatibility/2006">
+        <mc:Choice xmlns:a14="http://schemas.microsoft.com/office/drawing/2010/main" Requires="a14">
+          <p:sp>
+            <p:nvSpPr>
+              <p:cNvPr id="28" name="TextBox 27">
+                <a:extLst>
+                  <a:ext uri="{FF2B5EF4-FFF2-40B4-BE49-F238E27FC236}">
+                    <a16:creationId xmlns:a16="http://schemas.microsoft.com/office/drawing/2014/main" id="{41B4C283-4D50-444B-D9DB-E7DB43104177}"/>
+                  </a:ext>
+                </a:extLst>
+              </p:cNvPr>
+              <p:cNvSpPr txBox="1"/>
+              <p:nvPr/>
+            </p:nvSpPr>
+            <p:spPr>
+              <a:xfrm>
+                <a:off x="8651789" y="662422"/>
+                <a:ext cx="801117" cy="677108"/>
+              </a:xfrm>
+              <a:prstGeom prst="rect">
+                <a:avLst/>
+              </a:prstGeom>
+              <a:noFill/>
+            </p:spPr>
+            <p:txBody>
+              <a:bodyPr wrap="none" lIns="0" tIns="0" rIns="0" bIns="0" rtlCol="0">
+                <a:spAutoFit/>
+              </a:bodyPr>
+              <a:lstStyle/>
+              <a:p>
+                <a:pPr/>
+                <a14:m>
+                  <m:oMathPara xmlns:m="http://schemas.openxmlformats.org/officeDocument/2006/math">
+                    <m:oMathParaPr>
+                      <m:jc m:val="centerGroup"/>
+                    </m:oMathParaPr>
+                    <m:oMath xmlns:m="http://schemas.openxmlformats.org/officeDocument/2006/math">
+                      <m:sSup>
+                        <m:sSupPr>
+                          <m:ctrlPr>
+                            <a:rPr lang="en-US" sz="4400" b="0" i="1" smtClean="0">
+                              <a:latin typeface="Cambria Math" panose="02040503050406030204" pitchFamily="18" charset="0"/>
+                            </a:rPr>
+                          </m:ctrlPr>
+                        </m:sSupPr>
+                        <m:e>
+                          <m:r>
+                            <a:rPr lang="en-US" sz="4400" b="0" i="1" smtClean="0">
+                              <a:latin typeface="Cambria Math" panose="02040503050406030204" pitchFamily="18" charset="0"/>
+                            </a:rPr>
+                            <m:t>𝑉</m:t>
+                          </m:r>
+                        </m:e>
+                        <m:sup>
+                          <m:r>
+                            <a:rPr lang="en-US" sz="4400" b="0" i="1" smtClean="0">
+                              <a:latin typeface="Cambria Math" panose="02040503050406030204" pitchFamily="18" charset="0"/>
+                            </a:rPr>
+                            <m:t>𝑇</m:t>
+                          </m:r>
+                        </m:sup>
+                      </m:sSup>
+                    </m:oMath>
+                  </m:oMathPara>
+                </a14:m>
+                <a:endParaRPr lang="en-US" sz="4400" dirty="0"/>
+              </a:p>
+            </p:txBody>
+          </p:sp>
+        </mc:Choice>
+        <mc:Fallback>
+          <p:sp>
+            <p:nvSpPr>
+              <p:cNvPr id="28" name="TextBox 27">
+                <a:extLst>
+                  <a:ext uri="{FF2B5EF4-FFF2-40B4-BE49-F238E27FC236}">
+                    <a16:creationId xmlns:a16="http://schemas.microsoft.com/office/drawing/2014/main" id="{41B4C283-4D50-444B-D9DB-E7DB43104177}"/>
+                  </a:ext>
+                </a:extLst>
+              </p:cNvPr>
+              <p:cNvSpPr txBox="1">
+                <a:spLocks noRot="1" noChangeAspect="1" noMove="1" noResize="1" noEditPoints="1" noAdjustHandles="1" noChangeArrowheads="1" noChangeShapeType="1" noTextEdit="1"/>
+              </p:cNvSpPr>
+              <p:nvPr/>
+            </p:nvSpPr>
+            <p:spPr>
+              <a:xfrm>
+                <a:off x="8651789" y="662422"/>
+                <a:ext cx="801117" cy="677108"/>
+              </a:xfrm>
+              <a:prstGeom prst="rect">
+                <a:avLst/>
+              </a:prstGeom>
+              <a:blipFill>
+                <a:blip r:embed="rId4"/>
+                <a:stretch>
+                  <a:fillRect l="-14063" r="-3125" b="-5556"/>
+                </a:stretch>
+              </a:blipFill>
+            </p:spPr>
+            <p:txBody>
+              <a:bodyPr/>
+              <a:lstStyle/>
+              <a:p>
+                <a:r>
+                  <a:rPr lang="en-US">
+                    <a:noFill/>
+                  </a:rPr>
+                  <a:t> </a:t>
+                </a:r>
+              </a:p>
+            </p:txBody>
+          </p:sp>
+        </mc:Fallback>
+      </mc:AlternateContent>
+      <mc:AlternateContent xmlns:mc="http://schemas.openxmlformats.org/markup-compatibility/2006">
+        <mc:Choice xmlns:a14="http://schemas.microsoft.com/office/drawing/2010/main" Requires="a14">
+          <p:sp>
+            <p:nvSpPr>
+              <p:cNvPr id="5" name="TextBox 4">
+                <a:extLst>
+                  <a:ext uri="{FF2B5EF4-FFF2-40B4-BE49-F238E27FC236}">
+                    <a16:creationId xmlns:a16="http://schemas.microsoft.com/office/drawing/2014/main" id="{707A7333-77F4-1B72-819E-27682650FB96}"/>
+                  </a:ext>
+                </a:extLst>
+              </p:cNvPr>
+              <p:cNvSpPr txBox="1"/>
+              <p:nvPr/>
+            </p:nvSpPr>
+            <p:spPr>
+              <a:xfrm>
+                <a:off x="3119521" y="1449124"/>
+                <a:ext cx="3288016" cy="2141740"/>
+              </a:xfrm>
+              <a:prstGeom prst="rect">
+                <a:avLst/>
+              </a:prstGeom>
+              <a:noFill/>
+            </p:spPr>
+            <p:txBody>
+              <a:bodyPr wrap="none" lIns="0" tIns="0" rIns="0" bIns="0" rtlCol="0">
+                <a:spAutoFit/>
+              </a:bodyPr>
+              <a:lstStyle/>
+              <a:p>
+                <a14:m>
+                  <m:oMathPara xmlns:m="http://schemas.openxmlformats.org/officeDocument/2006/math">
+                    <m:oMathParaPr>
+                      <m:jc m:val="centerGroup"/>
+                    </m:oMathParaPr>
+                    <m:oMath xmlns:m="http://schemas.openxmlformats.org/officeDocument/2006/math">
+                      <m:m>
+                        <m:mPr>
+                          <m:mcs>
+                            <m:mc>
+                              <m:mcPr>
+                                <m:count m:val="7"/>
+                                <m:mcJc m:val="center"/>
+                              </m:mcPr>
+                            </m:mc>
+                          </m:mcs>
+                          <m:ctrlPr>
+                            <a:rPr lang="en-US" sz="2000" i="1" smtClean="0">
+                              <a:latin typeface="Cambria Math" panose="02040503050406030204" pitchFamily="18" charset="0"/>
+                            </a:rPr>
+                          </m:ctrlPr>
+                        </m:mPr>
+                        <m:mr>
+                          <m:e>
+                            <m:sSub>
+                              <m:sSubPr>
+                                <m:ctrlPr>
+                                  <a:rPr lang="en-US" sz="2000" b="0" i="1" smtClean="0">
+                                    <a:latin typeface="Cambria Math" panose="02040503050406030204" pitchFamily="18" charset="0"/>
+                                  </a:rPr>
+                                </m:ctrlPr>
+                              </m:sSubPr>
+                              <m:e>
+                                <m:r>
+                                  <a:rPr lang="en-US" sz="2000" b="0" i="1" smtClean="0">
+                                    <a:latin typeface="Cambria Math" panose="02040503050406030204" pitchFamily="18" charset="0"/>
+                                  </a:rPr>
+                                  <m:t>𝜎</m:t>
+                                </m:r>
+                              </m:e>
+                              <m:sub>
+                                <m:r>
+                                  <a:rPr lang="en-US" sz="2000" b="0" i="1" smtClean="0">
+                                    <a:latin typeface="Cambria Math" panose="02040503050406030204" pitchFamily="18" charset="0"/>
+                                  </a:rPr>
+                                  <m:t>1</m:t>
+                                </m:r>
+                              </m:sub>
+                            </m:sSub>
+                          </m:e>
+                          <m:e/>
+                          <m:e/>
+                          <m:e/>
+                          <m:e/>
+                          <m:e/>
+                          <m:e/>
+                        </m:mr>
+                        <m:mr>
+                          <m:e/>
+                          <m:e>
+                            <m:sSub>
+                              <m:sSubPr>
+                                <m:ctrlPr>
+                                  <a:rPr lang="en-US" sz="2000" b="0" i="1" smtClean="0">
+                                    <a:latin typeface="Cambria Math" panose="02040503050406030204" pitchFamily="18" charset="0"/>
+                                  </a:rPr>
+                                </m:ctrlPr>
+                              </m:sSubPr>
+                              <m:e>
+                                <m:r>
+                                  <a:rPr lang="en-US" sz="2000" b="0" i="1" smtClean="0">
+                                    <a:latin typeface="Cambria Math" panose="02040503050406030204" pitchFamily="18" charset="0"/>
+                                  </a:rPr>
+                                  <m:t>𝜎</m:t>
+                                </m:r>
+                              </m:e>
+                              <m:sub>
+                                <m:r>
+                                  <a:rPr lang="en-US" sz="2000" b="0" i="1" smtClean="0">
+                                    <a:latin typeface="Cambria Math" panose="02040503050406030204" pitchFamily="18" charset="0"/>
+                                  </a:rPr>
+                                  <m:t>2</m:t>
+                                </m:r>
+                              </m:sub>
+                            </m:sSub>
+                          </m:e>
+                          <m:e/>
+                          <m:e/>
+                          <m:e/>
+                          <m:e/>
+                          <m:e/>
+                        </m:mr>
+                        <m:mr>
+                          <m:e/>
+                          <m:e/>
+                          <m:e>
+                            <m:r>
+                              <a:rPr lang="en-US" sz="2000" i="1" smtClean="0">
+                                <a:latin typeface="Cambria Math" panose="02040503050406030204" pitchFamily="18" charset="0"/>
+                              </a:rPr>
+                              <m:t>⋱</m:t>
+                            </m:r>
+                          </m:e>
+                          <m:e/>
+                          <m:e/>
+                          <m:e/>
+                          <m:e/>
+                        </m:mr>
+                        <m:mr>
+                          <m:e/>
+                          <m:e/>
+                          <m:e/>
+                          <m:e>
+                            <m:sSub>
+                              <m:sSubPr>
+                                <m:ctrlPr>
+                                  <a:rPr lang="en-US" sz="2000" b="0" i="1" smtClean="0">
+                                    <a:latin typeface="Cambria Math" panose="02040503050406030204" pitchFamily="18" charset="0"/>
+                                  </a:rPr>
+                                </m:ctrlPr>
+                              </m:sSubPr>
+                              <m:e>
+                                <m:r>
+                                  <a:rPr lang="en-US" sz="2000" b="0" i="1" smtClean="0">
+                                    <a:latin typeface="Cambria Math" panose="02040503050406030204" pitchFamily="18" charset="0"/>
+                                  </a:rPr>
+                                  <m:t>𝜎</m:t>
+                                </m:r>
+                              </m:e>
+                              <m:sub>
+                                <m:r>
+                                  <a:rPr lang="en-US" sz="2000" b="0" i="1" smtClean="0">
+                                    <a:latin typeface="Cambria Math" panose="02040503050406030204" pitchFamily="18" charset="0"/>
+                                  </a:rPr>
+                                  <m:t>𝑟</m:t>
+                                </m:r>
+                              </m:sub>
+                            </m:sSub>
+                          </m:e>
+                          <m:e/>
+                          <m:e/>
+                          <m:e/>
+                        </m:mr>
+                        <m:mr>
+                          <m:e/>
+                          <m:e/>
+                          <m:e/>
+                          <m:e/>
+                          <m:e>
+                            <m:r>
+                              <a:rPr lang="en-US" sz="2000" b="0" i="1" smtClean="0">
+                                <a:latin typeface="Cambria Math" panose="02040503050406030204" pitchFamily="18" charset="0"/>
+                              </a:rPr>
+                              <m:t>0</m:t>
+                            </m:r>
+                          </m:e>
+                          <m:e/>
+                          <m:e/>
+                        </m:mr>
+                        <m:mr>
+                          <m:e/>
+                          <m:e/>
+                          <m:e/>
+                          <m:e/>
+                          <m:e/>
+                          <m:e>
+                            <m:r>
+                              <a:rPr lang="en-US" sz="2000" i="1" smtClean="0">
+                                <a:latin typeface="Cambria Math" panose="02040503050406030204" pitchFamily="18" charset="0"/>
+                              </a:rPr>
+                              <m:t>⋱</m:t>
+                            </m:r>
+                          </m:e>
+                          <m:e/>
+                        </m:mr>
+                        <m:mr>
+                          <m:e/>
+                          <m:e/>
+                          <m:e/>
+                          <m:e/>
+                          <m:e/>
+                          <m:e/>
+                          <m:e>
+                            <m:r>
+                              <a:rPr lang="en-US" sz="2000" b="0" i="1" smtClean="0">
+                                <a:latin typeface="Cambria Math" panose="02040503050406030204" pitchFamily="18" charset="0"/>
+                              </a:rPr>
+                              <m:t>0</m:t>
+                            </m:r>
+                          </m:e>
+                        </m:mr>
+                      </m:m>
+                    </m:oMath>
+                  </m:oMathPara>
+                </a14:m>
+                <a:endParaRPr lang="en-US" dirty="0"/>
+              </a:p>
+            </p:txBody>
+          </p:sp>
+        </mc:Choice>
+        <mc:Fallback>
+          <p:sp>
+            <p:nvSpPr>
+              <p:cNvPr id="5" name="TextBox 4">
+                <a:extLst>
+                  <a:ext uri="{FF2B5EF4-FFF2-40B4-BE49-F238E27FC236}">
+                    <a16:creationId xmlns:a16="http://schemas.microsoft.com/office/drawing/2014/main" id="{707A7333-77F4-1B72-819E-27682650FB96}"/>
+                  </a:ext>
+                </a:extLst>
+              </p:cNvPr>
+              <p:cNvSpPr txBox="1">
+                <a:spLocks noRot="1" noChangeAspect="1" noMove="1" noResize="1" noEditPoints="1" noAdjustHandles="1" noChangeArrowheads="1" noChangeShapeType="1" noTextEdit="1"/>
+              </p:cNvSpPr>
+              <p:nvPr/>
+            </p:nvSpPr>
+            <p:spPr>
+              <a:xfrm>
+                <a:off x="3119521" y="1449124"/>
+                <a:ext cx="3288016" cy="2141740"/>
+              </a:xfrm>
+              <a:prstGeom prst="rect">
+                <a:avLst/>
+              </a:prstGeom>
+              <a:blipFill>
+                <a:blip r:embed="rId5"/>
+                <a:stretch>
+                  <a:fillRect l="-385" b="-3550"/>
+                </a:stretch>
+              </a:blipFill>
+            </p:spPr>
+            <p:txBody>
+              <a:bodyPr/>
+              <a:lstStyle/>
+              <a:p>
+                <a:r>
+                  <a:rPr lang="en-US">
+                    <a:noFill/>
+                  </a:rPr>
+                  <a:t> </a:t>
+                </a:r>
+              </a:p>
+            </p:txBody>
+          </p:sp>
+        </mc:Fallback>
+      </mc:AlternateContent>
+    </p:spTree>
+    <p:extLst>
+      <p:ext uri="{BB962C8B-B14F-4D97-AF65-F5344CB8AC3E}">
+        <p14:creationId xmlns:p14="http://schemas.microsoft.com/office/powerpoint/2010/main" val="899918872"/>
+      </p:ext>
+    </p:extLst>
+  </p:cSld>
+  <p:clrMapOvr>
+    <a:masterClrMapping/>
+  </p:clrMapOvr>
+</p:sld>
+</file>
+
+<file path=ppt/slides/slide4.xml><?xml version="1.0" encoding="utf-8"?>
+<p:sld xmlns:a="http://schemas.openxmlformats.org/drawingml/2006/main" xmlns:r="http://schemas.openxmlformats.org/officeDocument/2006/relationships" xmlns:p="http://schemas.openxmlformats.org/presentationml/2006/main">
+  <p:cSld>
+    <p:spTree>
+      <p:nvGrpSpPr>
+        <p:cNvPr id="1" name=""/>
+        <p:cNvGrpSpPr/>
+        <p:nvPr/>
+      </p:nvGrpSpPr>
+      <p:grpSpPr>
+        <a:xfrm>
+          <a:off x="0" y="0"/>
+          <a:ext cx="0" cy="0"/>
+          <a:chOff x="0" y="0"/>
+          <a:chExt cx="0" cy="0"/>
+        </a:xfrm>
+      </p:grpSpPr>
+      <p:sp>
+        <p:nvSpPr>
+          <p:cNvPr id="8" name="Rectangle 7">
+            <a:extLst>
+              <a:ext uri="{FF2B5EF4-FFF2-40B4-BE49-F238E27FC236}">
+                <a16:creationId xmlns:a16="http://schemas.microsoft.com/office/drawing/2014/main" id="{050A4B73-2FE1-2623-B09A-89CCD693DDBB}"/>
+              </a:ext>
+            </a:extLst>
+          </p:cNvPr>
+          <p:cNvSpPr/>
+          <p:nvPr/>
+        </p:nvSpPr>
+        <p:spPr>
+          <a:xfrm>
+            <a:off x="2934729" y="1351110"/>
+            <a:ext cx="3657600" cy="2349348"/>
+          </a:xfrm>
+          <a:prstGeom prst="rect">
+            <a:avLst/>
+          </a:prstGeom>
+          <a:noFill/>
+          <a:ln w="47625">
+            <a:solidFill>
+              <a:schemeClr val="accent1">
+                <a:lumMod val="50000"/>
+              </a:schemeClr>
+            </a:solidFill>
+          </a:ln>
+        </p:spPr>
+        <p:style>
+          <a:lnRef idx="2">
+            <a:schemeClr val="accent1">
+              <a:shade val="15000"/>
+            </a:schemeClr>
+          </a:lnRef>
+          <a:fillRef idx="1">
+            <a:schemeClr val="accent1"/>
+          </a:fillRef>
+          <a:effectRef idx="0">
+            <a:schemeClr val="accent1"/>
+          </a:effectRef>
+          <a:fontRef idx="minor">
+            <a:schemeClr val="lt1"/>
+          </a:fontRef>
+        </p:style>
+        <p:txBody>
+          <a:bodyPr rtlCol="0" anchor="ctr"/>
+          <a:lstStyle/>
+          <a:p>
+            <a:pPr algn="ctr"/>
+            <a:endParaRPr lang="en-US"/>
+          </a:p>
+        </p:txBody>
+      </p:sp>
+      <p:sp>
+        <p:nvSpPr>
+          <p:cNvPr id="9" name="Rectangle 8">
+            <a:extLst>
+              <a:ext uri="{FF2B5EF4-FFF2-40B4-BE49-F238E27FC236}">
+                <a16:creationId xmlns:a16="http://schemas.microsoft.com/office/drawing/2014/main" id="{219FF550-3CDB-59EB-B4CD-2A6F9B093BE3}"/>
+              </a:ext>
+            </a:extLst>
+          </p:cNvPr>
+          <p:cNvSpPr/>
+          <p:nvPr/>
+        </p:nvSpPr>
+        <p:spPr>
+          <a:xfrm>
+            <a:off x="418853" y="1345321"/>
+            <a:ext cx="2146291" cy="2349347"/>
+          </a:xfrm>
+          <a:prstGeom prst="rect">
+            <a:avLst/>
+          </a:prstGeom>
+          <a:noFill/>
+          <a:ln w="47625">
+            <a:solidFill>
+              <a:schemeClr val="accent1">
+                <a:lumMod val="50000"/>
+              </a:schemeClr>
+            </a:solidFill>
+          </a:ln>
+        </p:spPr>
+        <p:style>
+          <a:lnRef idx="2">
+            <a:schemeClr val="accent1">
+              <a:shade val="15000"/>
+            </a:schemeClr>
+          </a:lnRef>
+          <a:fillRef idx="1">
+            <a:schemeClr val="accent1"/>
+          </a:fillRef>
+          <a:effectRef idx="0">
+            <a:schemeClr val="accent1"/>
+          </a:effectRef>
+          <a:fontRef idx="minor">
+            <a:schemeClr val="lt1"/>
+          </a:fontRef>
+        </p:style>
+        <p:txBody>
+          <a:bodyPr rtlCol="0" anchor="ctr"/>
+          <a:lstStyle/>
+          <a:p>
+            <a:pPr algn="ctr"/>
+            <a:endParaRPr lang="en-US"/>
+          </a:p>
+        </p:txBody>
+      </p:sp>
+      <p:sp>
+        <p:nvSpPr>
+          <p:cNvPr id="10" name="Rectangle 9">
+            <a:extLst>
+              <a:ext uri="{FF2B5EF4-FFF2-40B4-BE49-F238E27FC236}">
+                <a16:creationId xmlns:a16="http://schemas.microsoft.com/office/drawing/2014/main" id="{E9261CFA-E048-79CE-AEFB-B6B25490B7E6}"/>
+              </a:ext>
+            </a:extLst>
+          </p:cNvPr>
+          <p:cNvSpPr/>
+          <p:nvPr/>
+        </p:nvSpPr>
+        <p:spPr>
+          <a:xfrm>
+            <a:off x="7021486" y="1345322"/>
+            <a:ext cx="3657600" cy="3657600"/>
+          </a:xfrm>
+          <a:prstGeom prst="rect">
+            <a:avLst/>
+          </a:prstGeom>
+          <a:noFill/>
+          <a:ln w="47625">
+            <a:solidFill>
+              <a:schemeClr val="accent1">
+                <a:lumMod val="50000"/>
+              </a:schemeClr>
+            </a:solidFill>
+          </a:ln>
+        </p:spPr>
+        <p:style>
+          <a:lnRef idx="2">
+            <a:schemeClr val="accent1">
+              <a:shade val="15000"/>
+            </a:schemeClr>
+          </a:lnRef>
+          <a:fillRef idx="1">
+            <a:schemeClr val="accent1"/>
+          </a:fillRef>
+          <a:effectRef idx="0">
+            <a:schemeClr val="accent1"/>
+          </a:effectRef>
+          <a:fontRef idx="minor">
+            <a:schemeClr val="lt1"/>
+          </a:fontRef>
+        </p:style>
+        <p:txBody>
+          <a:bodyPr rtlCol="0" anchor="ctr"/>
+          <a:lstStyle/>
+          <a:p>
+            <a:pPr algn="ctr"/>
+            <a:endParaRPr lang="en-US"/>
+          </a:p>
+        </p:txBody>
+      </p:sp>
+      <mc:AlternateContent xmlns:mc="http://schemas.openxmlformats.org/markup-compatibility/2006">
+        <mc:Choice xmlns:a14="http://schemas.microsoft.com/office/drawing/2010/main" Requires="a14">
+          <p:sp>
+            <p:nvSpPr>
+              <p:cNvPr id="24" name="TextBox 23">
+                <a:extLst>
+                  <a:ext uri="{FF2B5EF4-FFF2-40B4-BE49-F238E27FC236}">
+                    <a16:creationId xmlns:a16="http://schemas.microsoft.com/office/drawing/2014/main" id="{7683AFD6-A947-1010-72DF-D65FD6A74A47}"/>
+                  </a:ext>
+                </a:extLst>
+              </p:cNvPr>
+              <p:cNvSpPr txBox="1"/>
+              <p:nvPr/>
+            </p:nvSpPr>
+            <p:spPr>
+              <a:xfrm flipH="1">
+                <a:off x="1061892" y="662422"/>
+                <a:ext cx="902044" cy="677108"/>
+              </a:xfrm>
+              <a:prstGeom prst="rect">
+                <a:avLst/>
+              </a:prstGeom>
+              <a:noFill/>
+            </p:spPr>
+            <p:txBody>
+              <a:bodyPr wrap="square" lIns="0" tIns="0" rIns="0" bIns="0" rtlCol="0">
+                <a:spAutoFit/>
+              </a:bodyPr>
+              <a:lstStyle/>
+              <a:p>
+                <a:pPr/>
+                <a14:m>
+                  <m:oMathPara xmlns:m="http://schemas.openxmlformats.org/officeDocument/2006/math">
+                    <m:oMathParaPr>
+                      <m:jc m:val="centerGroup"/>
+                    </m:oMathParaPr>
+                    <m:oMath xmlns:m="http://schemas.openxmlformats.org/officeDocument/2006/math">
+                      <m:r>
+                        <a:rPr lang="en-US" sz="4400" b="0" i="1" smtClean="0">
+                          <a:latin typeface="Cambria Math" panose="02040503050406030204" pitchFamily="18" charset="0"/>
+                        </a:rPr>
+                        <m:t>𝑈</m:t>
+                      </m:r>
+                    </m:oMath>
+                  </m:oMathPara>
+                </a14:m>
+                <a:endParaRPr lang="en-US" sz="4400" dirty="0"/>
+              </a:p>
+            </p:txBody>
+          </p:sp>
+        </mc:Choice>
+        <mc:Fallback>
+          <p:sp>
+            <p:nvSpPr>
+              <p:cNvPr id="24" name="TextBox 23">
+                <a:extLst>
+                  <a:ext uri="{FF2B5EF4-FFF2-40B4-BE49-F238E27FC236}">
+                    <a16:creationId xmlns:a16="http://schemas.microsoft.com/office/drawing/2014/main" id="{7683AFD6-A947-1010-72DF-D65FD6A74A47}"/>
+                  </a:ext>
+                </a:extLst>
+              </p:cNvPr>
+              <p:cNvSpPr txBox="1">
+                <a:spLocks noRot="1" noChangeAspect="1" noMove="1" noResize="1" noEditPoints="1" noAdjustHandles="1" noChangeArrowheads="1" noChangeShapeType="1" noTextEdit="1"/>
+              </p:cNvSpPr>
+              <p:nvPr/>
+            </p:nvSpPr>
+            <p:spPr>
+              <a:xfrm flipH="1">
+                <a:off x="1061892" y="662422"/>
+                <a:ext cx="902044" cy="677108"/>
+              </a:xfrm>
+              <a:prstGeom prst="rect">
+                <a:avLst/>
+              </a:prstGeom>
+              <a:blipFill>
+                <a:blip r:embed="rId3"/>
+                <a:stretch>
+                  <a:fillRect b="-5556"/>
+                </a:stretch>
+              </a:blipFill>
+            </p:spPr>
+            <p:txBody>
+              <a:bodyPr/>
+              <a:lstStyle/>
+              <a:p>
+                <a:r>
+                  <a:rPr lang="en-US">
+                    <a:noFill/>
+                  </a:rPr>
+                  <a:t> </a:t>
+                </a:r>
+              </a:p>
+            </p:txBody>
+          </p:sp>
+        </mc:Fallback>
+      </mc:AlternateContent>
+      <mc:AlternateContent xmlns:mc="http://schemas.openxmlformats.org/markup-compatibility/2006">
+        <mc:Choice xmlns:a14="http://schemas.microsoft.com/office/drawing/2010/main" Requires="a14">
+          <p:sp>
+            <p:nvSpPr>
+              <p:cNvPr id="25" name="TextBox 24">
+                <a:extLst>
+                  <a:ext uri="{FF2B5EF4-FFF2-40B4-BE49-F238E27FC236}">
+                    <a16:creationId xmlns:a16="http://schemas.microsoft.com/office/drawing/2014/main" id="{613DCB27-8D1E-D0AC-5CE1-877DC8CBB720}"/>
+                  </a:ext>
+                </a:extLst>
+              </p:cNvPr>
+              <p:cNvSpPr txBox="1"/>
+              <p:nvPr/>
+            </p:nvSpPr>
+            <p:spPr>
+              <a:xfrm flipH="1">
+                <a:off x="4312507" y="662422"/>
+                <a:ext cx="902044" cy="677108"/>
+              </a:xfrm>
+              <a:prstGeom prst="rect">
+                <a:avLst/>
+              </a:prstGeom>
+              <a:noFill/>
+            </p:spPr>
+            <p:txBody>
+              <a:bodyPr wrap="square" lIns="0" tIns="0" rIns="0" bIns="0" rtlCol="0">
+                <a:spAutoFit/>
+              </a:bodyPr>
+              <a:lstStyle/>
+              <a:p>
+                <a:pPr/>
+                <a14:m>
+                  <m:oMathPara xmlns:m="http://schemas.openxmlformats.org/officeDocument/2006/math">
+                    <m:oMathParaPr>
+                      <m:jc m:val="centerGroup"/>
+                    </m:oMathParaPr>
+                    <m:oMath xmlns:m="http://schemas.openxmlformats.org/officeDocument/2006/math">
+                      <m:r>
+                        <m:rPr>
+                          <m:sty m:val="p"/>
+                        </m:rPr>
+                        <a:rPr lang="en-US" sz="4400" b="0" i="0" smtClean="0">
+                          <a:latin typeface="Cambria Math" panose="02040503050406030204" pitchFamily="18" charset="0"/>
+                        </a:rPr>
+                        <m:t>Σ</m:t>
+                      </m:r>
+                    </m:oMath>
+                  </m:oMathPara>
+                </a14:m>
+                <a:endParaRPr lang="en-US" sz="4400" dirty="0"/>
+              </a:p>
+            </p:txBody>
+          </p:sp>
+        </mc:Choice>
+        <mc:Fallback>
+          <p:sp>
+            <p:nvSpPr>
+              <p:cNvPr id="25" name="TextBox 24">
+                <a:extLst>
+                  <a:ext uri="{FF2B5EF4-FFF2-40B4-BE49-F238E27FC236}">
+                    <a16:creationId xmlns:a16="http://schemas.microsoft.com/office/drawing/2014/main" id="{613DCB27-8D1E-D0AC-5CE1-877DC8CBB720}"/>
+                  </a:ext>
+                </a:extLst>
+              </p:cNvPr>
+              <p:cNvSpPr txBox="1">
+                <a:spLocks noRot="1" noChangeAspect="1" noMove="1" noResize="1" noEditPoints="1" noAdjustHandles="1" noChangeArrowheads="1" noChangeShapeType="1" noTextEdit="1"/>
+              </p:cNvSpPr>
+              <p:nvPr/>
+            </p:nvSpPr>
+            <p:spPr>
+              <a:xfrm flipH="1">
+                <a:off x="4312507" y="662422"/>
+                <a:ext cx="902044" cy="677108"/>
+              </a:xfrm>
+              <a:prstGeom prst="rect">
+                <a:avLst/>
+              </a:prstGeom>
+              <a:blipFill>
+                <a:blip r:embed="rId4"/>
+                <a:stretch>
+                  <a:fillRect b="-5556"/>
+                </a:stretch>
+              </a:blipFill>
+            </p:spPr>
+            <p:txBody>
+              <a:bodyPr/>
+              <a:lstStyle/>
+              <a:p>
+                <a:r>
+                  <a:rPr lang="en-US">
+                    <a:noFill/>
+                  </a:rPr>
+                  <a:t> </a:t>
+                </a:r>
+              </a:p>
+            </p:txBody>
+          </p:sp>
+        </mc:Fallback>
+      </mc:AlternateContent>
+      <mc:AlternateContent xmlns:mc="http://schemas.openxmlformats.org/markup-compatibility/2006">
+        <mc:Choice xmlns:a14="http://schemas.microsoft.com/office/drawing/2010/main" Requires="a14">
+          <p:sp>
+            <p:nvSpPr>
+              <p:cNvPr id="28" name="TextBox 27">
+                <a:extLst>
+                  <a:ext uri="{FF2B5EF4-FFF2-40B4-BE49-F238E27FC236}">
+                    <a16:creationId xmlns:a16="http://schemas.microsoft.com/office/drawing/2014/main" id="{41B4C283-4D50-444B-D9DB-E7DB43104177}"/>
+                  </a:ext>
+                </a:extLst>
+              </p:cNvPr>
+              <p:cNvSpPr txBox="1"/>
+              <p:nvPr/>
+            </p:nvSpPr>
+            <p:spPr>
+              <a:xfrm>
+                <a:off x="8651789" y="662422"/>
+                <a:ext cx="801117" cy="677108"/>
+              </a:xfrm>
+              <a:prstGeom prst="rect">
+                <a:avLst/>
+              </a:prstGeom>
+              <a:noFill/>
+            </p:spPr>
+            <p:txBody>
+              <a:bodyPr wrap="none" lIns="0" tIns="0" rIns="0" bIns="0" rtlCol="0">
+                <a:spAutoFit/>
+              </a:bodyPr>
+              <a:lstStyle/>
+              <a:p>
+                <a:pPr/>
+                <a14:m>
+                  <m:oMathPara xmlns:m="http://schemas.openxmlformats.org/officeDocument/2006/math">
+                    <m:oMathParaPr>
+                      <m:jc m:val="centerGroup"/>
+                    </m:oMathParaPr>
+                    <m:oMath xmlns:m="http://schemas.openxmlformats.org/officeDocument/2006/math">
+                      <m:sSup>
+                        <m:sSupPr>
+                          <m:ctrlPr>
+                            <a:rPr lang="en-US" sz="4400" b="0" i="1" smtClean="0">
+                              <a:latin typeface="Cambria Math" panose="02040503050406030204" pitchFamily="18" charset="0"/>
+                            </a:rPr>
+                          </m:ctrlPr>
+                        </m:sSupPr>
+                        <m:e>
+                          <m:r>
+                            <a:rPr lang="en-US" sz="4400" b="0" i="1" smtClean="0">
+                              <a:latin typeface="Cambria Math" panose="02040503050406030204" pitchFamily="18" charset="0"/>
+                            </a:rPr>
+                            <m:t>𝑉</m:t>
+                          </m:r>
+                        </m:e>
+                        <m:sup>
+                          <m:r>
+                            <a:rPr lang="en-US" sz="4400" b="0" i="1" smtClean="0">
+                              <a:latin typeface="Cambria Math" panose="02040503050406030204" pitchFamily="18" charset="0"/>
+                            </a:rPr>
+                            <m:t>𝑇</m:t>
+                          </m:r>
+                        </m:sup>
+                      </m:sSup>
+                    </m:oMath>
+                  </m:oMathPara>
+                </a14:m>
+                <a:endParaRPr lang="en-US" sz="4400" dirty="0"/>
+              </a:p>
+            </p:txBody>
+          </p:sp>
+        </mc:Choice>
+        <mc:Fallback>
+          <p:sp>
+            <p:nvSpPr>
+              <p:cNvPr id="28" name="TextBox 27">
+                <a:extLst>
+                  <a:ext uri="{FF2B5EF4-FFF2-40B4-BE49-F238E27FC236}">
+                    <a16:creationId xmlns:a16="http://schemas.microsoft.com/office/drawing/2014/main" id="{41B4C283-4D50-444B-D9DB-E7DB43104177}"/>
+                  </a:ext>
+                </a:extLst>
+              </p:cNvPr>
+              <p:cNvSpPr txBox="1">
+                <a:spLocks noRot="1" noChangeAspect="1" noMove="1" noResize="1" noEditPoints="1" noAdjustHandles="1" noChangeArrowheads="1" noChangeShapeType="1" noTextEdit="1"/>
+              </p:cNvSpPr>
+              <p:nvPr/>
+            </p:nvSpPr>
+            <p:spPr>
+              <a:xfrm>
+                <a:off x="8651789" y="662422"/>
+                <a:ext cx="801117" cy="677108"/>
+              </a:xfrm>
+              <a:prstGeom prst="rect">
+                <a:avLst/>
+              </a:prstGeom>
+              <a:blipFill>
+                <a:blip r:embed="rId5"/>
+                <a:stretch>
+                  <a:fillRect l="-14063" r="-3125" b="-5556"/>
+                </a:stretch>
+              </a:blipFill>
+            </p:spPr>
+            <p:txBody>
+              <a:bodyPr/>
+              <a:lstStyle/>
+              <a:p>
+                <a:r>
+                  <a:rPr lang="en-US">
+                    <a:noFill/>
+                  </a:rPr>
+                  <a:t> </a:t>
+                </a:r>
+              </a:p>
+            </p:txBody>
+          </p:sp>
+        </mc:Fallback>
+      </mc:AlternateContent>
+      <mc:AlternateContent xmlns:mc="http://schemas.openxmlformats.org/markup-compatibility/2006">
+        <mc:Choice xmlns:a14="http://schemas.microsoft.com/office/drawing/2010/main" Requires="a14">
+          <p:sp>
+            <p:nvSpPr>
+              <p:cNvPr id="5" name="TextBox 4">
+                <a:extLst>
+                  <a:ext uri="{FF2B5EF4-FFF2-40B4-BE49-F238E27FC236}">
+                    <a16:creationId xmlns:a16="http://schemas.microsoft.com/office/drawing/2014/main" id="{707A7333-77F4-1B72-819E-27682650FB96}"/>
+                  </a:ext>
+                </a:extLst>
+              </p:cNvPr>
+              <p:cNvSpPr txBox="1"/>
+              <p:nvPr/>
+            </p:nvSpPr>
+            <p:spPr>
+              <a:xfrm>
+                <a:off x="3119521" y="1449124"/>
+                <a:ext cx="3288016" cy="2141740"/>
+              </a:xfrm>
+              <a:prstGeom prst="rect">
+                <a:avLst/>
+              </a:prstGeom>
+              <a:noFill/>
+            </p:spPr>
+            <p:txBody>
+              <a:bodyPr wrap="none" lIns="0" tIns="0" rIns="0" bIns="0" rtlCol="0">
+                <a:spAutoFit/>
+              </a:bodyPr>
+              <a:lstStyle/>
+              <a:p>
+                <a14:m>
+                  <m:oMathPara xmlns:m="http://schemas.openxmlformats.org/officeDocument/2006/math">
+                    <m:oMathParaPr>
+                      <m:jc m:val="centerGroup"/>
+                    </m:oMathParaPr>
+                    <m:oMath xmlns:m="http://schemas.openxmlformats.org/officeDocument/2006/math">
+                      <m:m>
+                        <m:mPr>
+                          <m:mcs>
+                            <m:mc>
+                              <m:mcPr>
+                                <m:count m:val="7"/>
+                                <m:mcJc m:val="center"/>
+                              </m:mcPr>
+                            </m:mc>
+                          </m:mcs>
+                          <m:ctrlPr>
+                            <a:rPr lang="en-US" sz="2000" i="1" smtClean="0">
+                              <a:latin typeface="Cambria Math" panose="02040503050406030204" pitchFamily="18" charset="0"/>
+                            </a:rPr>
+                          </m:ctrlPr>
+                        </m:mPr>
+                        <m:mr>
+                          <m:e>
+                            <m:sSub>
+                              <m:sSubPr>
+                                <m:ctrlPr>
+                                  <a:rPr lang="en-US" sz="2000" b="0" i="1" smtClean="0">
+                                    <a:latin typeface="Cambria Math" panose="02040503050406030204" pitchFamily="18" charset="0"/>
+                                  </a:rPr>
+                                </m:ctrlPr>
+                              </m:sSubPr>
+                              <m:e>
+                                <m:r>
+                                  <a:rPr lang="en-US" sz="2000" b="0" i="1" smtClean="0">
+                                    <a:latin typeface="Cambria Math" panose="02040503050406030204" pitchFamily="18" charset="0"/>
+                                  </a:rPr>
+                                  <m:t>𝜎</m:t>
+                                </m:r>
+                              </m:e>
+                              <m:sub>
+                                <m:r>
+                                  <a:rPr lang="en-US" sz="2000" b="0" i="1" smtClean="0">
+                                    <a:latin typeface="Cambria Math" panose="02040503050406030204" pitchFamily="18" charset="0"/>
+                                  </a:rPr>
+                                  <m:t>1</m:t>
+                                </m:r>
+                              </m:sub>
+                            </m:sSub>
+                          </m:e>
+                          <m:e/>
+                          <m:e/>
+                          <m:e/>
+                          <m:e/>
+                          <m:e/>
+                          <m:e/>
+                        </m:mr>
+                        <m:mr>
+                          <m:e/>
+                          <m:e>
+                            <m:sSub>
+                              <m:sSubPr>
+                                <m:ctrlPr>
+                                  <a:rPr lang="en-US" sz="2000" b="0" i="1" smtClean="0">
+                                    <a:latin typeface="Cambria Math" panose="02040503050406030204" pitchFamily="18" charset="0"/>
+                                  </a:rPr>
+                                </m:ctrlPr>
+                              </m:sSubPr>
+                              <m:e>
+                                <m:r>
+                                  <a:rPr lang="en-US" sz="2000" b="0" i="1" smtClean="0">
+                                    <a:latin typeface="Cambria Math" panose="02040503050406030204" pitchFamily="18" charset="0"/>
+                                  </a:rPr>
+                                  <m:t>𝜎</m:t>
+                                </m:r>
+                              </m:e>
+                              <m:sub>
+                                <m:r>
+                                  <a:rPr lang="en-US" sz="2000" b="0" i="1" smtClean="0">
+                                    <a:latin typeface="Cambria Math" panose="02040503050406030204" pitchFamily="18" charset="0"/>
+                                  </a:rPr>
+                                  <m:t>2</m:t>
+                                </m:r>
+                              </m:sub>
+                            </m:sSub>
+                          </m:e>
+                          <m:e/>
+                          <m:e/>
+                          <m:e/>
+                          <m:e/>
+                          <m:e/>
+                        </m:mr>
+                        <m:mr>
+                          <m:e/>
+                          <m:e/>
+                          <m:e>
+                            <m:r>
+                              <a:rPr lang="en-US" sz="2000" i="1" smtClean="0">
+                                <a:latin typeface="Cambria Math" panose="02040503050406030204" pitchFamily="18" charset="0"/>
+                              </a:rPr>
+                              <m:t>⋱</m:t>
+                            </m:r>
+                          </m:e>
+                          <m:e/>
+                          <m:e/>
+                          <m:e/>
+                          <m:e/>
+                        </m:mr>
+                        <m:mr>
+                          <m:e/>
+                          <m:e/>
+                          <m:e/>
+                          <m:e>
+                            <m:sSub>
+                              <m:sSubPr>
+                                <m:ctrlPr>
+                                  <a:rPr lang="en-US" sz="2000" b="0" i="1" smtClean="0">
+                                    <a:latin typeface="Cambria Math" panose="02040503050406030204" pitchFamily="18" charset="0"/>
+                                  </a:rPr>
+                                </m:ctrlPr>
+                              </m:sSubPr>
+                              <m:e>
+                                <m:r>
+                                  <a:rPr lang="en-US" sz="2000" b="0" i="1" smtClean="0">
+                                    <a:latin typeface="Cambria Math" panose="02040503050406030204" pitchFamily="18" charset="0"/>
+                                  </a:rPr>
+                                  <m:t>𝜎</m:t>
+                                </m:r>
+                              </m:e>
+                              <m:sub>
+                                <m:r>
+                                  <a:rPr lang="en-US" sz="2000" b="0" i="1" smtClean="0">
+                                    <a:latin typeface="Cambria Math" panose="02040503050406030204" pitchFamily="18" charset="0"/>
+                                  </a:rPr>
+                                  <m:t>𝑟</m:t>
+                                </m:r>
+                              </m:sub>
+                            </m:sSub>
+                          </m:e>
+                          <m:e/>
+                          <m:e/>
+                          <m:e/>
+                        </m:mr>
+                        <m:mr>
+                          <m:e/>
+                          <m:e/>
+                          <m:e/>
+                          <m:e/>
+                          <m:e>
+                            <m:r>
+                              <a:rPr lang="en-US" sz="2000" b="0" i="1" smtClean="0">
+                                <a:latin typeface="Cambria Math" panose="02040503050406030204" pitchFamily="18" charset="0"/>
+                              </a:rPr>
+                              <m:t>0</m:t>
+                            </m:r>
+                          </m:e>
+                          <m:e/>
+                          <m:e/>
+                        </m:mr>
+                        <m:mr>
+                          <m:e/>
+                          <m:e/>
+                          <m:e/>
+                          <m:e/>
+                          <m:e/>
+                          <m:e>
+                            <m:r>
+                              <a:rPr lang="en-US" sz="2000" i="1" smtClean="0">
+                                <a:latin typeface="Cambria Math" panose="02040503050406030204" pitchFamily="18" charset="0"/>
+                              </a:rPr>
+                              <m:t>⋱</m:t>
+                            </m:r>
+                          </m:e>
+                          <m:e/>
+                        </m:mr>
+                        <m:mr>
+                          <m:e/>
+                          <m:e/>
+                          <m:e/>
+                          <m:e/>
+                          <m:e/>
+                          <m:e/>
+                          <m:e>
+                            <m:r>
+                              <a:rPr lang="en-US" sz="2000" b="0" i="1" smtClean="0">
+                                <a:latin typeface="Cambria Math" panose="02040503050406030204" pitchFamily="18" charset="0"/>
+                              </a:rPr>
+                              <m:t>0</m:t>
+                            </m:r>
+                          </m:e>
+                        </m:mr>
+                      </m:m>
+                    </m:oMath>
+                  </m:oMathPara>
+                </a14:m>
+                <a:endParaRPr lang="en-US" dirty="0"/>
+              </a:p>
+            </p:txBody>
+          </p:sp>
+        </mc:Choice>
+        <mc:Fallback>
+          <p:sp>
+            <p:nvSpPr>
+              <p:cNvPr id="5" name="TextBox 4">
+                <a:extLst>
+                  <a:ext uri="{FF2B5EF4-FFF2-40B4-BE49-F238E27FC236}">
+                    <a16:creationId xmlns:a16="http://schemas.microsoft.com/office/drawing/2014/main" id="{707A7333-77F4-1B72-819E-27682650FB96}"/>
+                  </a:ext>
+                </a:extLst>
+              </p:cNvPr>
+              <p:cNvSpPr txBox="1">
+                <a:spLocks noRot="1" noChangeAspect="1" noMove="1" noResize="1" noEditPoints="1" noAdjustHandles="1" noChangeArrowheads="1" noChangeShapeType="1" noTextEdit="1"/>
+              </p:cNvSpPr>
+              <p:nvPr/>
+            </p:nvSpPr>
+            <p:spPr>
+              <a:xfrm>
+                <a:off x="3119521" y="1449124"/>
+                <a:ext cx="3288016" cy="2141740"/>
+              </a:xfrm>
+              <a:prstGeom prst="rect">
+                <a:avLst/>
+              </a:prstGeom>
+              <a:blipFill>
+                <a:blip r:embed="rId6"/>
+                <a:stretch>
+                  <a:fillRect l="-385" b="-3550"/>
+                </a:stretch>
+              </a:blipFill>
+            </p:spPr>
+            <p:txBody>
+              <a:bodyPr/>
+              <a:lstStyle/>
+              <a:p>
+                <a:r>
+                  <a:rPr lang="en-US">
+                    <a:noFill/>
+                  </a:rPr>
+                  <a:t> </a:t>
+                </a:r>
+              </a:p>
+            </p:txBody>
+          </p:sp>
+        </mc:Fallback>
+      </mc:AlternateContent>
+      <mc:AlternateContent xmlns:mc="http://schemas.openxmlformats.org/markup-compatibility/2006">
+        <mc:Choice xmlns:a14="http://schemas.microsoft.com/office/drawing/2010/main" Requires="a14">
+          <p:sp>
+            <p:nvSpPr>
+              <p:cNvPr id="2" name="TextBox 1">
+                <a:extLst>
+                  <a:ext uri="{FF2B5EF4-FFF2-40B4-BE49-F238E27FC236}">
+                    <a16:creationId xmlns:a16="http://schemas.microsoft.com/office/drawing/2014/main" id="{B6E066C1-51B8-9478-E17D-B6BBA14821C2}"/>
+                  </a:ext>
+                </a:extLst>
+              </p:cNvPr>
+              <p:cNvSpPr txBox="1"/>
+              <p:nvPr/>
+            </p:nvSpPr>
+            <p:spPr>
+              <a:xfrm>
+                <a:off x="7226093" y="1440883"/>
+                <a:ext cx="3397340" cy="2184444"/>
+              </a:xfrm>
+              <a:prstGeom prst="rect">
+                <a:avLst/>
+              </a:prstGeom>
+              <a:noFill/>
+            </p:spPr>
+            <p:txBody>
+              <a:bodyPr wrap="none" lIns="0" tIns="0" rIns="0" bIns="0" rtlCol="0">
+                <a:spAutoFit/>
+              </a:bodyPr>
+              <a:lstStyle/>
+              <a:p>
+                <a14:m>
+                  <m:oMathPara xmlns:m="http://schemas.openxmlformats.org/officeDocument/2006/math">
+                    <m:oMathParaPr>
+                      <m:jc m:val="centerGroup"/>
+                    </m:oMathParaPr>
+                    <m:oMath xmlns:m="http://schemas.openxmlformats.org/officeDocument/2006/math">
+                      <m:m>
+                        <m:mPr>
+                          <m:mcs>
+                            <m:mc>
+                              <m:mcPr>
+                                <m:count m:val="7"/>
+                                <m:mcJc m:val="center"/>
+                              </m:mcPr>
+                            </m:mc>
+                          </m:mcs>
+                          <m:ctrlPr>
+                            <a:rPr lang="en-US" sz="2000" i="1" smtClean="0">
+                              <a:latin typeface="Cambria Math" panose="02040503050406030204" pitchFamily="18" charset="0"/>
+                            </a:rPr>
+                          </m:ctrlPr>
+                        </m:mPr>
+                        <m:mr>
+                          <m:e/>
+                          <m:e>
+                            <m:r>
+                              <a:rPr lang="en-US" sz="2000" i="1" smtClean="0">
+                                <a:latin typeface="Cambria Math" panose="02040503050406030204" pitchFamily="18" charset="0"/>
+                              </a:rPr>
+                              <m:t>⋯</m:t>
+                            </m:r>
+                          </m:e>
+                          <m:e/>
+                          <m:e>
+                            <m:sSubSup>
+                              <m:sSubSupPr>
+                                <m:ctrlPr>
+                                  <a:rPr lang="en-US" sz="2000" b="0" i="1" smtClean="0">
+                                    <a:latin typeface="Cambria Math" panose="02040503050406030204" pitchFamily="18" charset="0"/>
+                                  </a:rPr>
+                                </m:ctrlPr>
+                              </m:sSubSupPr>
+                              <m:e>
+                                <m:r>
+                                  <a:rPr lang="en-US" sz="2000" b="0" i="1" smtClean="0">
+                                    <a:latin typeface="Cambria Math" panose="02040503050406030204" pitchFamily="18" charset="0"/>
+                                  </a:rPr>
+                                  <m:t>𝑣</m:t>
+                                </m:r>
+                              </m:e>
+                              <m:sub>
+                                <m:r>
+                                  <a:rPr lang="en-US" sz="2000" b="0" i="1" smtClean="0">
+                                    <a:latin typeface="Cambria Math" panose="02040503050406030204" pitchFamily="18" charset="0"/>
+                                  </a:rPr>
+                                  <m:t>1</m:t>
+                                </m:r>
+                              </m:sub>
+                              <m:sup>
+                                <m:r>
+                                  <a:rPr lang="en-US" sz="2000" b="0" i="1" smtClean="0">
+                                    <a:latin typeface="Cambria Math" panose="02040503050406030204" pitchFamily="18" charset="0"/>
+                                  </a:rPr>
+                                  <m:t>𝑇</m:t>
+                                </m:r>
+                              </m:sup>
+                            </m:sSubSup>
+                          </m:e>
+                          <m:e/>
+                          <m:e>
+                            <m:r>
+                              <a:rPr lang="en-US" sz="2000" i="1" smtClean="0">
+                                <a:latin typeface="Cambria Math" panose="02040503050406030204" pitchFamily="18" charset="0"/>
+                              </a:rPr>
+                              <m:t>⋯</m:t>
+                            </m:r>
+                          </m:e>
+                          <m:e/>
+                        </m:mr>
+                        <m:mr>
+                          <m:e/>
+                          <m:e>
+                            <m:r>
+                              <a:rPr lang="en-US" sz="2000" i="1" smtClean="0">
+                                <a:latin typeface="Cambria Math" panose="02040503050406030204" pitchFamily="18" charset="0"/>
+                              </a:rPr>
+                              <m:t>⋯</m:t>
+                            </m:r>
+                          </m:e>
+                          <m:e/>
+                          <m:e>
+                            <m:sSubSup>
+                              <m:sSubSupPr>
+                                <m:ctrlPr>
+                                  <a:rPr lang="en-US" sz="2000" b="0" i="1" smtClean="0">
+                                    <a:latin typeface="Cambria Math" panose="02040503050406030204" pitchFamily="18" charset="0"/>
+                                  </a:rPr>
+                                </m:ctrlPr>
+                              </m:sSubSupPr>
+                              <m:e>
+                                <m:r>
+                                  <a:rPr lang="en-US" sz="2000" b="0" i="1" smtClean="0">
+                                    <a:latin typeface="Cambria Math" panose="02040503050406030204" pitchFamily="18" charset="0"/>
+                                  </a:rPr>
+                                  <m:t>𝑣</m:t>
+                                </m:r>
+                              </m:e>
+                              <m:sub>
+                                <m:r>
+                                  <a:rPr lang="en-US" sz="2000" b="0" i="1" smtClean="0">
+                                    <a:latin typeface="Cambria Math" panose="02040503050406030204" pitchFamily="18" charset="0"/>
+                                  </a:rPr>
+                                  <m:t>2</m:t>
+                                </m:r>
+                              </m:sub>
+                              <m:sup>
+                                <m:r>
+                                  <a:rPr lang="en-US" sz="2000" b="0" i="1" smtClean="0">
+                                    <a:latin typeface="Cambria Math" panose="02040503050406030204" pitchFamily="18" charset="0"/>
+                                  </a:rPr>
+                                  <m:t>𝑇</m:t>
+                                </m:r>
+                              </m:sup>
+                            </m:sSubSup>
+                          </m:e>
+                          <m:e/>
+                          <m:e>
+                            <m:r>
+                              <a:rPr lang="en-US" sz="2000" i="1" smtClean="0">
+                                <a:latin typeface="Cambria Math" panose="02040503050406030204" pitchFamily="18" charset="0"/>
+                              </a:rPr>
+                              <m:t>…</m:t>
+                            </m:r>
+                          </m:e>
+                          <m:e/>
+                        </m:mr>
+                        <m:mr>
+                          <m:e/>
+                          <m:e/>
+                          <m:e/>
+                          <m:e>
+                            <m:r>
+                              <a:rPr lang="en-US" sz="2000" i="1" smtClean="0">
+                                <a:latin typeface="Cambria Math" panose="02040503050406030204" pitchFamily="18" charset="0"/>
+                              </a:rPr>
+                              <m:t>⋮</m:t>
+                            </m:r>
+                          </m:e>
+                          <m:e/>
+                          <m:e/>
+                          <m:e/>
+                        </m:mr>
+                        <m:mr>
+                          <m:e/>
+                          <m:e>
+                            <m:r>
+                              <a:rPr lang="en-US" sz="2000" i="1" smtClean="0">
+                                <a:latin typeface="Cambria Math" panose="02040503050406030204" pitchFamily="18" charset="0"/>
+                              </a:rPr>
+                              <m:t>⋯</m:t>
+                            </m:r>
+                          </m:e>
+                          <m:e/>
+                          <m:e>
+                            <m:sSubSup>
+                              <m:sSubSupPr>
+                                <m:ctrlPr>
+                                  <a:rPr lang="en-US" sz="2000" b="0" i="1" smtClean="0">
+                                    <a:latin typeface="Cambria Math" panose="02040503050406030204" pitchFamily="18" charset="0"/>
+                                  </a:rPr>
+                                </m:ctrlPr>
+                              </m:sSubSupPr>
+                              <m:e>
+                                <m:r>
+                                  <a:rPr lang="en-US" sz="2000" b="0" i="1" smtClean="0">
+                                    <a:latin typeface="Cambria Math" panose="02040503050406030204" pitchFamily="18" charset="0"/>
+                                  </a:rPr>
+                                  <m:t>𝑣</m:t>
+                                </m:r>
+                              </m:e>
+                              <m:sub>
+                                <m:r>
+                                  <a:rPr lang="en-US" sz="2000" b="0" i="1" smtClean="0">
+                                    <a:latin typeface="Cambria Math" panose="02040503050406030204" pitchFamily="18" charset="0"/>
+                                  </a:rPr>
+                                  <m:t>𝑟</m:t>
+                                </m:r>
+                              </m:sub>
+                              <m:sup>
+                                <m:r>
+                                  <a:rPr lang="en-US" sz="2000" b="0" i="1" smtClean="0">
+                                    <a:latin typeface="Cambria Math" panose="02040503050406030204" pitchFamily="18" charset="0"/>
+                                  </a:rPr>
+                                  <m:t>𝑇</m:t>
+                                </m:r>
+                              </m:sup>
+                            </m:sSubSup>
+                          </m:e>
+                          <m:e/>
+                          <m:e>
+                            <m:r>
+                              <a:rPr lang="en-US" sz="2000" i="1" smtClean="0">
+                                <a:latin typeface="Cambria Math" panose="02040503050406030204" pitchFamily="18" charset="0"/>
+                              </a:rPr>
+                              <m:t>…</m:t>
+                            </m:r>
+                          </m:e>
+                          <m:e/>
+                        </m:mr>
+                        <m:mr>
+                          <m:e/>
+                          <m:e/>
+                          <m:e/>
+                          <m:e/>
+                          <m:e/>
+                          <m:e/>
+                          <m:e/>
+                        </m:mr>
+                        <m:mr>
+                          <m:e/>
+                          <m:e/>
+                          <m:e/>
+                          <m:e/>
+                          <m:e/>
+                          <m:e/>
+                          <m:e/>
+                        </m:mr>
+                        <m:mr>
+                          <m:e/>
+                          <m:e/>
+                          <m:e/>
+                          <m:e/>
+                          <m:e/>
+                          <m:e/>
+                          <m:e/>
+                        </m:mr>
+                      </m:m>
+                    </m:oMath>
+                  </m:oMathPara>
+                </a14:m>
+                <a:endParaRPr lang="en-US" dirty="0"/>
+              </a:p>
+            </p:txBody>
+          </p:sp>
+        </mc:Choice>
+        <mc:Fallback>
+          <p:sp>
+            <p:nvSpPr>
+              <p:cNvPr id="2" name="TextBox 1">
+                <a:extLst>
+                  <a:ext uri="{FF2B5EF4-FFF2-40B4-BE49-F238E27FC236}">
+                    <a16:creationId xmlns:a16="http://schemas.microsoft.com/office/drawing/2014/main" id="{B6E066C1-51B8-9478-E17D-B6BBA14821C2}"/>
+                  </a:ext>
+                </a:extLst>
+              </p:cNvPr>
+              <p:cNvSpPr txBox="1">
+                <a:spLocks noRot="1" noChangeAspect="1" noMove="1" noResize="1" noEditPoints="1" noAdjustHandles="1" noChangeArrowheads="1" noChangeShapeType="1" noTextEdit="1"/>
+              </p:cNvSpPr>
+              <p:nvPr/>
+            </p:nvSpPr>
+            <p:spPr>
+              <a:xfrm>
+                <a:off x="7226093" y="1440883"/>
+                <a:ext cx="3397340" cy="2184444"/>
+              </a:xfrm>
+              <a:prstGeom prst="rect">
+                <a:avLst/>
+              </a:prstGeom>
+              <a:blipFill>
+                <a:blip r:embed="rId7"/>
+                <a:stretch>
+                  <a:fillRect/>
+                </a:stretch>
+              </a:blipFill>
+            </p:spPr>
+            <p:txBody>
+              <a:bodyPr/>
+              <a:lstStyle/>
+              <a:p>
+                <a:r>
+                  <a:rPr lang="en-US">
+                    <a:noFill/>
+                  </a:rPr>
+                  <a:t> </a:t>
+                </a:r>
+              </a:p>
+            </p:txBody>
+          </p:sp>
+        </mc:Fallback>
+      </mc:AlternateContent>
+      <mc:AlternateContent xmlns:mc="http://schemas.openxmlformats.org/markup-compatibility/2006">
+        <mc:Choice xmlns:a14="http://schemas.microsoft.com/office/drawing/2010/main" Requires="a14">
+          <p:sp>
+            <p:nvSpPr>
+              <p:cNvPr id="3" name="TextBox 2">
+                <a:extLst>
+                  <a:ext uri="{FF2B5EF4-FFF2-40B4-BE49-F238E27FC236}">
+                    <a16:creationId xmlns:a16="http://schemas.microsoft.com/office/drawing/2014/main" id="{03B54FF4-C44C-6EFD-F6CD-68752F68D65E}"/>
+                  </a:ext>
+                </a:extLst>
+              </p:cNvPr>
+              <p:cNvSpPr txBox="1"/>
+              <p:nvPr/>
+            </p:nvSpPr>
+            <p:spPr>
+              <a:xfrm>
+                <a:off x="516358" y="1465597"/>
+                <a:ext cx="3440750" cy="2139688"/>
+              </a:xfrm>
+              <a:prstGeom prst="rect">
+                <a:avLst/>
+              </a:prstGeom>
+              <a:noFill/>
+            </p:spPr>
+            <p:txBody>
+              <a:bodyPr wrap="none" lIns="0" tIns="0" rIns="0" bIns="0" rtlCol="0">
+                <a:spAutoFit/>
+              </a:bodyPr>
+              <a:lstStyle/>
+              <a:p>
+                <a14:m>
+                  <m:oMathPara xmlns:m="http://schemas.openxmlformats.org/officeDocument/2006/math">
+                    <m:oMathParaPr>
+                      <m:jc m:val="centerGroup"/>
+                    </m:oMathParaPr>
+                    <m:oMath xmlns:m="http://schemas.openxmlformats.org/officeDocument/2006/math">
+                      <m:m>
+                        <m:mPr>
+                          <m:mcs>
+                            <m:mc>
+                              <m:mcPr>
+                                <m:count m:val="7"/>
+                                <m:mcJc m:val="center"/>
+                              </m:mcPr>
+                            </m:mc>
+                          </m:mcs>
+                          <m:ctrlPr>
+                            <a:rPr lang="en-US" sz="2000" i="1" smtClean="0">
+                              <a:latin typeface="Cambria Math" panose="02040503050406030204" pitchFamily="18" charset="0"/>
+                            </a:rPr>
+                          </m:ctrlPr>
+                        </m:mPr>
+                        <m:mr>
+                          <m:e/>
+                          <m:e/>
+                          <m:e/>
+                          <m:e/>
+                          <m:e/>
+                          <m:e/>
+                          <m:e/>
+                        </m:mr>
+                        <m:mr>
+                          <m:e>
+                            <m:r>
+                              <a:rPr lang="en-US" sz="2000" i="1" smtClean="0">
+                                <a:latin typeface="Cambria Math" panose="02040503050406030204" pitchFamily="18" charset="0"/>
+                              </a:rPr>
+                              <m:t>⋮</m:t>
+                            </m:r>
+                          </m:e>
+                          <m:e>
+                            <m:r>
+                              <a:rPr lang="en-US" sz="2000" i="1" smtClean="0">
+                                <a:latin typeface="Cambria Math" panose="02040503050406030204" pitchFamily="18" charset="0"/>
+                              </a:rPr>
+                              <m:t>⋮</m:t>
+                            </m:r>
+                          </m:e>
+                          <m:e>
+                            <m:r>
+                              <a:rPr lang="en-US" sz="2000" i="1" smtClean="0">
+                                <a:latin typeface="Cambria Math" panose="02040503050406030204" pitchFamily="18" charset="0"/>
+                              </a:rPr>
+                              <m:t>⋮</m:t>
+                            </m:r>
+                          </m:e>
+                          <m:e/>
+                          <m:e/>
+                          <m:e/>
+                          <m:e/>
+                        </m:mr>
+                        <m:mr>
+                          <m:e/>
+                          <m:e/>
+                          <m:e/>
+                          <m:e/>
+                          <m:e/>
+                          <m:e/>
+                          <m:e/>
+                        </m:mr>
+                        <m:mr>
+                          <m:e>
+                            <m:sSub>
+                              <m:sSubPr>
+                                <m:ctrlPr>
+                                  <a:rPr lang="en-US" sz="2000" b="0" i="1" smtClean="0">
+                                    <a:latin typeface="Cambria Math" panose="02040503050406030204" pitchFamily="18" charset="0"/>
+                                  </a:rPr>
+                                </m:ctrlPr>
+                              </m:sSubPr>
+                              <m:e>
+                                <m:r>
+                                  <a:rPr lang="en-US" sz="2000" b="0" i="1" smtClean="0">
+                                    <a:latin typeface="Cambria Math" panose="02040503050406030204" pitchFamily="18" charset="0"/>
+                                  </a:rPr>
+                                  <m:t>𝑢</m:t>
+                                </m:r>
+                              </m:e>
+                              <m:sub>
+                                <m:r>
+                                  <a:rPr lang="en-US" sz="2000" b="0" i="1" smtClean="0">
+                                    <a:latin typeface="Cambria Math" panose="02040503050406030204" pitchFamily="18" charset="0"/>
+                                  </a:rPr>
+                                  <m:t>1</m:t>
+                                </m:r>
+                              </m:sub>
+                            </m:sSub>
+                          </m:e>
+                          <m:e>
+                            <m:sSub>
+                              <m:sSubPr>
+                                <m:ctrlPr>
+                                  <a:rPr lang="en-US" sz="2000" b="0" i="1" smtClean="0">
+                                    <a:latin typeface="Cambria Math" panose="02040503050406030204" pitchFamily="18" charset="0"/>
+                                  </a:rPr>
+                                </m:ctrlPr>
+                              </m:sSubPr>
+                              <m:e>
+                                <m:r>
+                                  <a:rPr lang="en-US" sz="2000" b="0" i="1" smtClean="0">
+                                    <a:latin typeface="Cambria Math" panose="02040503050406030204" pitchFamily="18" charset="0"/>
+                                  </a:rPr>
+                                  <m:t>𝑢</m:t>
+                                </m:r>
+                              </m:e>
+                              <m:sub>
+                                <m:r>
+                                  <a:rPr lang="en-US" sz="2000" b="0" i="1" smtClean="0">
+                                    <a:latin typeface="Cambria Math" panose="02040503050406030204" pitchFamily="18" charset="0"/>
+                                  </a:rPr>
+                                  <m:t>2</m:t>
+                                </m:r>
+                              </m:sub>
+                            </m:sSub>
+                          </m:e>
+                          <m:e>
+                            <m:sSub>
+                              <m:sSubPr>
+                                <m:ctrlPr>
+                                  <a:rPr lang="en-US" sz="2000" b="0" i="1" smtClean="0">
+                                    <a:latin typeface="Cambria Math" panose="02040503050406030204" pitchFamily="18" charset="0"/>
+                                  </a:rPr>
+                                </m:ctrlPr>
+                              </m:sSubPr>
+                              <m:e>
+                                <m:r>
+                                  <a:rPr lang="en-US" sz="2000" b="0" i="1" smtClean="0">
+                                    <a:latin typeface="Cambria Math" panose="02040503050406030204" pitchFamily="18" charset="0"/>
+                                  </a:rPr>
+                                  <m:t>𝑢</m:t>
+                                </m:r>
+                              </m:e>
+                              <m:sub>
+                                <m:r>
+                                  <a:rPr lang="en-US" sz="2000" b="0" i="1" smtClean="0">
+                                    <a:latin typeface="Cambria Math" panose="02040503050406030204" pitchFamily="18" charset="0"/>
+                                  </a:rPr>
+                                  <m:t>𝑟</m:t>
+                                </m:r>
+                              </m:sub>
+                            </m:sSub>
+                          </m:e>
+                          <m:e/>
+                          <m:e/>
+                          <m:e/>
+                          <m:e/>
+                        </m:mr>
+                        <m:mr>
+                          <m:e/>
+                          <m:e/>
+                          <m:e/>
+                          <m:e/>
+                          <m:e/>
+                          <m:e/>
+                          <m:e/>
+                        </m:mr>
+                        <m:mr>
+                          <m:e>
+                            <m:r>
+                              <a:rPr lang="en-US" sz="2000" i="1" smtClean="0">
+                                <a:latin typeface="Cambria Math" panose="02040503050406030204" pitchFamily="18" charset="0"/>
+                              </a:rPr>
+                              <m:t>⋮</m:t>
+                            </m:r>
+                          </m:e>
+                          <m:e>
+                            <m:r>
+                              <a:rPr lang="en-US" sz="2000" i="1" smtClean="0">
+                                <a:latin typeface="Cambria Math" panose="02040503050406030204" pitchFamily="18" charset="0"/>
+                              </a:rPr>
+                              <m:t>⋮</m:t>
+                            </m:r>
+                          </m:e>
+                          <m:e>
+                            <m:r>
+                              <a:rPr lang="en-US" sz="2000" i="1" smtClean="0">
+                                <a:latin typeface="Cambria Math" panose="02040503050406030204" pitchFamily="18" charset="0"/>
+                              </a:rPr>
+                              <m:t>⋮</m:t>
+                            </m:r>
+                          </m:e>
+                          <m:e/>
+                          <m:e/>
+                          <m:e/>
+                          <m:e/>
+                        </m:mr>
+                        <m:mr>
+                          <m:e/>
+                          <m:e/>
+                          <m:e/>
+                          <m:e/>
+                          <m:e/>
+                          <m:e/>
+                          <m:e/>
+                        </m:mr>
+                      </m:m>
+                    </m:oMath>
+                  </m:oMathPara>
+                </a14:m>
+                <a:endParaRPr lang="en-US" dirty="0"/>
+              </a:p>
+            </p:txBody>
+          </p:sp>
+        </mc:Choice>
+        <mc:Fallback>
+          <p:sp>
+            <p:nvSpPr>
+              <p:cNvPr id="3" name="TextBox 2">
+                <a:extLst>
+                  <a:ext uri="{FF2B5EF4-FFF2-40B4-BE49-F238E27FC236}">
+                    <a16:creationId xmlns:a16="http://schemas.microsoft.com/office/drawing/2014/main" id="{03B54FF4-C44C-6EFD-F6CD-68752F68D65E}"/>
+                  </a:ext>
+                </a:extLst>
+              </p:cNvPr>
+              <p:cNvSpPr txBox="1">
+                <a:spLocks noRot="1" noChangeAspect="1" noMove="1" noResize="1" noEditPoints="1" noAdjustHandles="1" noChangeArrowheads="1" noChangeShapeType="1" noTextEdit="1"/>
+              </p:cNvSpPr>
+              <p:nvPr/>
+            </p:nvSpPr>
+            <p:spPr>
+              <a:xfrm>
+                <a:off x="516358" y="1465597"/>
+                <a:ext cx="3440750" cy="2139688"/>
+              </a:xfrm>
+              <a:prstGeom prst="rect">
+                <a:avLst/>
+              </a:prstGeom>
+              <a:blipFill>
+                <a:blip r:embed="rId8"/>
+                <a:stretch>
+                  <a:fillRect/>
+                </a:stretch>
+              </a:blipFill>
+            </p:spPr>
+            <p:txBody>
+              <a:bodyPr/>
+              <a:lstStyle/>
+              <a:p>
+                <a:r>
+                  <a:rPr lang="en-US">
+                    <a:noFill/>
+                  </a:rPr>
+                  <a:t> </a:t>
+                </a:r>
+              </a:p>
+            </p:txBody>
+          </p:sp>
+        </mc:Fallback>
+      </mc:AlternateContent>
+      <p:sp>
+        <p:nvSpPr>
+          <p:cNvPr id="4" name="Rectangle 3">
+            <a:extLst>
+              <a:ext uri="{FF2B5EF4-FFF2-40B4-BE49-F238E27FC236}">
+                <a16:creationId xmlns:a16="http://schemas.microsoft.com/office/drawing/2014/main" id="{FD38D8DE-2B61-2B1B-1B13-7A0FFC216C88}"/>
+              </a:ext>
+            </a:extLst>
+          </p:cNvPr>
+          <p:cNvSpPr/>
+          <p:nvPr/>
+        </p:nvSpPr>
+        <p:spPr>
+          <a:xfrm>
+            <a:off x="7173886" y="1440884"/>
+            <a:ext cx="3397340" cy="1351744"/>
+          </a:xfrm>
+          <a:prstGeom prst="rect">
+            <a:avLst/>
+          </a:prstGeom>
+          <a:noFill/>
+          <a:ln w="47625">
+            <a:solidFill>
+              <a:schemeClr val="accent1">
+                <a:lumMod val="50000"/>
+              </a:schemeClr>
+            </a:solidFill>
+          </a:ln>
+        </p:spPr>
+        <p:style>
+          <a:lnRef idx="2">
+            <a:schemeClr val="accent1">
+              <a:shade val="15000"/>
+            </a:schemeClr>
+          </a:lnRef>
+          <a:fillRef idx="1">
+            <a:schemeClr val="accent1"/>
+          </a:fillRef>
+          <a:effectRef idx="0">
+            <a:schemeClr val="accent1"/>
+          </a:effectRef>
+          <a:fontRef idx="minor">
+            <a:schemeClr val="lt1"/>
+          </a:fontRef>
+        </p:style>
+        <p:txBody>
+          <a:bodyPr rtlCol="0" anchor="ctr"/>
+          <a:lstStyle/>
+          <a:p>
+            <a:pPr algn="ctr"/>
+            <a:endParaRPr lang="en-US"/>
+          </a:p>
+        </p:txBody>
+      </p:sp>
+      <p:sp>
+        <p:nvSpPr>
+          <p:cNvPr id="6" name="Rectangle 5">
+            <a:extLst>
+              <a:ext uri="{FF2B5EF4-FFF2-40B4-BE49-F238E27FC236}">
+                <a16:creationId xmlns:a16="http://schemas.microsoft.com/office/drawing/2014/main" id="{951E7BAC-C8A1-B695-C716-E30CBEEB4945}"/>
+              </a:ext>
+            </a:extLst>
+          </p:cNvPr>
+          <p:cNvSpPr/>
+          <p:nvPr/>
+        </p:nvSpPr>
+        <p:spPr>
+          <a:xfrm>
+            <a:off x="3023120" y="1436869"/>
+            <a:ext cx="1931939" cy="1355759"/>
+          </a:xfrm>
+          <a:prstGeom prst="rect">
+            <a:avLst/>
+          </a:prstGeom>
+          <a:noFill/>
+          <a:ln w="47625">
+            <a:solidFill>
+              <a:schemeClr val="accent1">
+                <a:lumMod val="50000"/>
+              </a:schemeClr>
+            </a:solidFill>
+          </a:ln>
+        </p:spPr>
+        <p:style>
+          <a:lnRef idx="2">
+            <a:schemeClr val="accent1">
+              <a:shade val="15000"/>
+            </a:schemeClr>
+          </a:lnRef>
+          <a:fillRef idx="1">
+            <a:schemeClr val="accent1"/>
+          </a:fillRef>
+          <a:effectRef idx="0">
+            <a:schemeClr val="accent1"/>
+          </a:effectRef>
+          <a:fontRef idx="minor">
+            <a:schemeClr val="lt1"/>
+          </a:fontRef>
+        </p:style>
+        <p:txBody>
+          <a:bodyPr rtlCol="0" anchor="ctr"/>
+          <a:lstStyle/>
+          <a:p>
+            <a:pPr algn="ctr"/>
+            <a:endParaRPr lang="en-US"/>
+          </a:p>
+        </p:txBody>
+      </p:sp>
+      <p:sp>
+        <p:nvSpPr>
+          <p:cNvPr id="7" name="Rectangle 6">
+            <a:extLst>
+              <a:ext uri="{FF2B5EF4-FFF2-40B4-BE49-F238E27FC236}">
+                <a16:creationId xmlns:a16="http://schemas.microsoft.com/office/drawing/2014/main" id="{8367F393-3EEE-E93B-CB4D-933EF9C5CD41}"/>
+              </a:ext>
+            </a:extLst>
+          </p:cNvPr>
+          <p:cNvSpPr/>
+          <p:nvPr/>
+        </p:nvSpPr>
+        <p:spPr>
+          <a:xfrm>
+            <a:off x="516281" y="1436869"/>
+            <a:ext cx="1447655" cy="2141740"/>
+          </a:xfrm>
+          <a:prstGeom prst="rect">
+            <a:avLst/>
+          </a:prstGeom>
+          <a:noFill/>
+          <a:ln w="47625">
+            <a:solidFill>
+              <a:schemeClr val="accent1">
+                <a:lumMod val="50000"/>
+              </a:schemeClr>
+            </a:solidFill>
+          </a:ln>
+        </p:spPr>
+        <p:style>
+          <a:lnRef idx="2">
+            <a:schemeClr val="accent1">
+              <a:shade val="15000"/>
+            </a:schemeClr>
+          </a:lnRef>
+          <a:fillRef idx="1">
+            <a:schemeClr val="accent1"/>
+          </a:fillRef>
+          <a:effectRef idx="0">
+            <a:schemeClr val="accent1"/>
+          </a:effectRef>
+          <a:fontRef idx="minor">
+            <a:schemeClr val="lt1"/>
+          </a:fontRef>
+        </p:style>
+        <p:txBody>
+          <a:bodyPr rtlCol="0" anchor="ctr"/>
+          <a:lstStyle/>
+          <a:p>
+            <a:pPr algn="ctr"/>
+            <a:endParaRPr lang="en-US"/>
+          </a:p>
+        </p:txBody>
+      </p:sp>
+    </p:spTree>
+    <p:extLst>
+      <p:ext uri="{BB962C8B-B14F-4D97-AF65-F5344CB8AC3E}">
+        <p14:creationId xmlns:p14="http://schemas.microsoft.com/office/powerpoint/2010/main" val="3335565142"/>
+      </p:ext>
+    </p:extLst>
+  </p:cSld>
+  <p:clrMapOvr>
+    <a:masterClrMapping/>
+  </p:clrMapOvr>
+</p:sld>
+</file>
+
 <file path=ppt/theme/theme1.xml><?xml version="1.0" encoding="utf-8"?>
 <a:theme xmlns:a="http://schemas.openxmlformats.org/drawingml/2006/main" name="Office Theme">
   <a:themeElements>
@@ -5752,4 +8515,319 @@
     </a:ext>
   </a:extLst>
 </a:theme>
+</file>
+
+<file path=ppt/theme/theme2.xml><?xml version="1.0" encoding="utf-8"?>
+<a:theme xmlns:a="http://schemas.openxmlformats.org/drawingml/2006/main" name="Office Theme">
+  <a:themeElements>
+    <a:clrScheme name="Office">
+      <a:dk1>
+        <a:sysClr val="windowText" lastClr="000000"/>
+      </a:dk1>
+      <a:lt1>
+        <a:sysClr val="window" lastClr="FFFFFF"/>
+      </a:lt1>
+      <a:dk2>
+        <a:srgbClr val="0E2841"/>
+      </a:dk2>
+      <a:lt2>
+        <a:srgbClr val="E8E8E8"/>
+      </a:lt2>
+      <a:accent1>
+        <a:srgbClr val="156082"/>
+      </a:accent1>
+      <a:accent2>
+        <a:srgbClr val="E97132"/>
+      </a:accent2>
+      <a:accent3>
+        <a:srgbClr val="196B24"/>
+      </a:accent3>
+      <a:accent4>
+        <a:srgbClr val="0F9ED5"/>
+      </a:accent4>
+      <a:accent5>
+        <a:srgbClr val="A02B93"/>
+      </a:accent5>
+      <a:accent6>
+        <a:srgbClr val="4EA72E"/>
+      </a:accent6>
+      <a:hlink>
+        <a:srgbClr val="467886"/>
+      </a:hlink>
+      <a:folHlink>
+        <a:srgbClr val="96607D"/>
+      </a:folHlink>
+    </a:clrScheme>
+    <a:fontScheme name="Office">
+      <a:majorFont>
+        <a:latin typeface="Aptos Display" panose="02110004020202020204"/>
+        <a:ea typeface=""/>
+        <a:cs typeface=""/>
+        <a:font script="Jpan" typeface="游ゴシック Light"/>
+        <a:font script="Hang" typeface="맑은 고딕"/>
+        <a:font script="Hans" typeface="等线 Light"/>
+        <a:font script="Hant" typeface="新細明體"/>
+        <a:font script="Arab" typeface="Times New Roman"/>
+        <a:font script="Hebr" typeface="Times New Roman"/>
+        <a:font script="Thai" typeface="Angsana New"/>
+        <a:font script="Ethi" typeface="Nyala"/>
+        <a:font script="Beng" typeface="Vrinda"/>
+        <a:font script="Gujr" typeface="Shruti"/>
+        <a:font script="Khmr" typeface="MoolBoran"/>
+        <a:font script="Knda" typeface="Tunga"/>
+        <a:font script="Guru" typeface="Raavi"/>
+        <a:font script="Cans" typeface="Euphemia"/>
+        <a:font script="Cher" typeface="Plantagenet Cherokee"/>
+        <a:font script="Yiii" typeface="Microsoft Yi Baiti"/>
+        <a:font script="Tibt" typeface="Microsoft Himalaya"/>
+        <a:font script="Thaa" typeface="MV Boli"/>
+        <a:font script="Deva" typeface="Mangal"/>
+        <a:font script="Telu" typeface="Gautami"/>
+        <a:font script="Taml" typeface="Latha"/>
+        <a:font script="Syrc" typeface="Estrangelo Edessa"/>
+        <a:font script="Orya" typeface="Kalinga"/>
+        <a:font script="Mlym" typeface="Kartika"/>
+        <a:font script="Laoo" typeface="DokChampa"/>
+        <a:font script="Sinh" typeface="Iskoola Pota"/>
+        <a:font script="Mong" typeface="Mongolian Baiti"/>
+        <a:font script="Viet" typeface="Times New Roman"/>
+        <a:font script="Uigh" typeface="Microsoft Uighur"/>
+        <a:font script="Geor" typeface="Sylfaen"/>
+        <a:font script="Armn" typeface="Arial"/>
+        <a:font script="Bugi" typeface="Leelawadee UI"/>
+        <a:font script="Bopo" typeface="Microsoft JhengHei"/>
+        <a:font script="Java" typeface="Javanese Text"/>
+        <a:font script="Lisu" typeface="Segoe UI"/>
+        <a:font script="Mymr" typeface="Myanmar Text"/>
+        <a:font script="Nkoo" typeface="Ebrima"/>
+        <a:font script="Olck" typeface="Nirmala UI"/>
+        <a:font script="Osma" typeface="Ebrima"/>
+        <a:font script="Phag" typeface="Phagspa"/>
+        <a:font script="Syrn" typeface="Estrangelo Edessa"/>
+        <a:font script="Syrj" typeface="Estrangelo Edessa"/>
+        <a:font script="Syre" typeface="Estrangelo Edessa"/>
+        <a:font script="Sora" typeface="Nirmala UI"/>
+        <a:font script="Tale" typeface="Microsoft Tai Le"/>
+        <a:font script="Talu" typeface="Microsoft New Tai Lue"/>
+        <a:font script="Tfng" typeface="Ebrima"/>
+      </a:majorFont>
+      <a:minorFont>
+        <a:latin typeface="Aptos" panose="02110004020202020204"/>
+        <a:ea typeface=""/>
+        <a:cs typeface=""/>
+        <a:font script="Jpan" typeface="游ゴシック"/>
+        <a:font script="Hang" typeface="맑은 고딕"/>
+        <a:font script="Hans" typeface="等线"/>
+        <a:font script="Hant" typeface="新細明體"/>
+        <a:font script="Arab" typeface="Arial"/>
+        <a:font script="Hebr" typeface="Arial"/>
+        <a:font script="Thai" typeface="Cordia New"/>
+        <a:font script="Ethi" typeface="Nyala"/>
+        <a:font script="Beng" typeface="Vrinda"/>
+        <a:font script="Gujr" typeface="Shruti"/>
+        <a:font script="Khmr" typeface="DaunPenh"/>
+        <a:font script="Knda" typeface="Tunga"/>
+        <a:font script="Guru" typeface="Raavi"/>
+        <a:font script="Cans" typeface="Euphemia"/>
+        <a:font script="Cher" typeface="Plantagenet Cherokee"/>
+        <a:font script="Yiii" typeface="Microsoft Yi Baiti"/>
+        <a:font script="Tibt" typeface="Microsoft Himalaya"/>
+        <a:font script="Thaa" typeface="MV Boli"/>
+        <a:font script="Deva" typeface="Mangal"/>
+        <a:font script="Telu" typeface="Gautami"/>
+        <a:font script="Taml" typeface="Latha"/>
+        <a:font script="Syrc" typeface="Estrangelo Edessa"/>
+        <a:font script="Orya" typeface="Kalinga"/>
+        <a:font script="Mlym" typeface="Kartika"/>
+        <a:font script="Laoo" typeface="DokChampa"/>
+        <a:font script="Sinh" typeface="Iskoola Pota"/>
+        <a:font script="Mong" typeface="Mongolian Baiti"/>
+        <a:font script="Viet" typeface="Arial"/>
+        <a:font script="Uigh" typeface="Microsoft Uighur"/>
+        <a:font script="Geor" typeface="Sylfaen"/>
+        <a:font script="Armn" typeface="Arial"/>
+        <a:font script="Bugi" typeface="Leelawadee UI"/>
+        <a:font script="Bopo" typeface="Microsoft JhengHei"/>
+        <a:font script="Java" typeface="Javanese Text"/>
+        <a:font script="Lisu" typeface="Segoe UI"/>
+        <a:font script="Mymr" typeface="Myanmar Text"/>
+        <a:font script="Nkoo" typeface="Ebrima"/>
+        <a:font script="Olck" typeface="Nirmala UI"/>
+        <a:font script="Osma" typeface="Ebrima"/>
+        <a:font script="Phag" typeface="Phagspa"/>
+        <a:font script="Syrn" typeface="Estrangelo Edessa"/>
+        <a:font script="Syrj" typeface="Estrangelo Edessa"/>
+        <a:font script="Syre" typeface="Estrangelo Edessa"/>
+        <a:font script="Sora" typeface="Nirmala UI"/>
+        <a:font script="Tale" typeface="Microsoft Tai Le"/>
+        <a:font script="Talu" typeface="Microsoft New Tai Lue"/>
+        <a:font script="Tfng" typeface="Ebrima"/>
+      </a:minorFont>
+    </a:fontScheme>
+    <a:fmtScheme name="Office">
+      <a:fillStyleLst>
+        <a:solidFill>
+          <a:schemeClr val="phClr"/>
+        </a:solidFill>
+        <a:gradFill rotWithShape="1">
+          <a:gsLst>
+            <a:gs pos="0">
+              <a:schemeClr val="phClr">
+                <a:lumMod val="110000"/>
+                <a:satMod val="105000"/>
+                <a:tint val="67000"/>
+              </a:schemeClr>
+            </a:gs>
+            <a:gs pos="50000">
+              <a:schemeClr val="phClr">
+                <a:lumMod val="105000"/>
+                <a:satMod val="103000"/>
+                <a:tint val="73000"/>
+              </a:schemeClr>
+            </a:gs>
+            <a:gs pos="100000">
+              <a:schemeClr val="phClr">
+                <a:lumMod val="105000"/>
+                <a:satMod val="109000"/>
+                <a:tint val="81000"/>
+              </a:schemeClr>
+            </a:gs>
+          </a:gsLst>
+          <a:lin ang="5400000" scaled="0"/>
+        </a:gradFill>
+        <a:gradFill rotWithShape="1">
+          <a:gsLst>
+            <a:gs pos="0">
+              <a:schemeClr val="phClr">
+                <a:satMod val="103000"/>
+                <a:lumMod val="102000"/>
+                <a:tint val="94000"/>
+              </a:schemeClr>
+            </a:gs>
+            <a:gs pos="50000">
+              <a:schemeClr val="phClr">
+                <a:satMod val="110000"/>
+                <a:lumMod val="100000"/>
+                <a:shade val="100000"/>
+              </a:schemeClr>
+            </a:gs>
+            <a:gs pos="100000">
+              <a:schemeClr val="phClr">
+                <a:lumMod val="99000"/>
+                <a:satMod val="120000"/>
+                <a:shade val="78000"/>
+              </a:schemeClr>
+            </a:gs>
+          </a:gsLst>
+          <a:lin ang="5400000" scaled="0"/>
+        </a:gradFill>
+      </a:fillStyleLst>
+      <a:lnStyleLst>
+        <a:ln w="12700" cap="flat" cmpd="sng" algn="ctr">
+          <a:solidFill>
+            <a:schemeClr val="phClr"/>
+          </a:solidFill>
+          <a:prstDash val="solid"/>
+          <a:miter lim="800000"/>
+        </a:ln>
+        <a:ln w="19050" cap="flat" cmpd="sng" algn="ctr">
+          <a:solidFill>
+            <a:schemeClr val="phClr"/>
+          </a:solidFill>
+          <a:prstDash val="solid"/>
+          <a:miter lim="800000"/>
+        </a:ln>
+        <a:ln w="25400" cap="flat" cmpd="sng" algn="ctr">
+          <a:solidFill>
+            <a:schemeClr val="phClr"/>
+          </a:solidFill>
+          <a:prstDash val="solid"/>
+          <a:miter lim="800000"/>
+        </a:ln>
+      </a:lnStyleLst>
+      <a:effectStyleLst>
+        <a:effectStyle>
+          <a:effectLst/>
+        </a:effectStyle>
+        <a:effectStyle>
+          <a:effectLst/>
+        </a:effectStyle>
+        <a:effectStyle>
+          <a:effectLst>
+            <a:outerShdw blurRad="57150" dist="19050" dir="5400000" algn="ctr" rotWithShape="0">
+              <a:srgbClr val="000000">
+                <a:alpha val="63000"/>
+              </a:srgbClr>
+            </a:outerShdw>
+          </a:effectLst>
+        </a:effectStyle>
+      </a:effectStyleLst>
+      <a:bgFillStyleLst>
+        <a:solidFill>
+          <a:schemeClr val="phClr"/>
+        </a:solidFill>
+        <a:solidFill>
+          <a:schemeClr val="phClr">
+            <a:tint val="95000"/>
+            <a:satMod val="170000"/>
+          </a:schemeClr>
+        </a:solidFill>
+        <a:gradFill rotWithShape="1">
+          <a:gsLst>
+            <a:gs pos="0">
+              <a:schemeClr val="phClr">
+                <a:tint val="93000"/>
+                <a:satMod val="150000"/>
+                <a:shade val="98000"/>
+                <a:lumMod val="102000"/>
+              </a:schemeClr>
+            </a:gs>
+            <a:gs pos="50000">
+              <a:schemeClr val="phClr">
+                <a:tint val="98000"/>
+                <a:satMod val="130000"/>
+                <a:shade val="90000"/>
+                <a:lumMod val="103000"/>
+              </a:schemeClr>
+            </a:gs>
+            <a:gs pos="100000">
+              <a:schemeClr val="phClr">
+                <a:shade val="63000"/>
+                <a:satMod val="120000"/>
+              </a:schemeClr>
+            </a:gs>
+          </a:gsLst>
+          <a:lin ang="5400000" scaled="0"/>
+        </a:gradFill>
+      </a:bgFillStyleLst>
+    </a:fmtScheme>
+  </a:themeElements>
+  <a:objectDefaults>
+    <a:lnDef>
+      <a:spPr/>
+      <a:bodyPr/>
+      <a:lstStyle/>
+      <a:style>
+        <a:lnRef idx="2">
+          <a:schemeClr val="accent1"/>
+        </a:lnRef>
+        <a:fillRef idx="0">
+          <a:schemeClr val="accent1"/>
+        </a:fillRef>
+        <a:effectRef idx="1">
+          <a:schemeClr val="accent1"/>
+        </a:effectRef>
+        <a:fontRef idx="minor">
+          <a:schemeClr val="tx1"/>
+        </a:fontRef>
+      </a:style>
+    </a:lnDef>
+  </a:objectDefaults>
+  <a:extraClrSchemeLst/>
+  <a:extLst>
+    <a:ext uri="{05A4C25C-085E-4340-85A3-A5531E510DB2}">
+      <thm15:themeFamily xmlns:thm15="http://schemas.microsoft.com/office/thememl/2012/main" name="Office Theme" id="{2E142A2C-CD16-42D6-873A-C26D2A0506FA}" vid="{1BDDFF52-6CD6-40A5-AB3C-68EB2F1E4D0A}"/>
+    </a:ext>
+  </a:extLst>
+</a:theme>
 </file>
--- a/images/Lecture 25 Figures.pptx
+++ b/images/Lecture 25 Figures.pptx
@@ -5,13 +5,14 @@
     <p:sldMasterId id="2147483648" r:id="rId1"/>
   </p:sldMasterIdLst>
   <p:notesMasterIdLst>
-    <p:notesMasterId r:id="rId6"/>
+    <p:notesMasterId r:id="rId7"/>
   </p:notesMasterIdLst>
   <p:sldIdLst>
     <p:sldId id="263" r:id="rId2"/>
     <p:sldId id="264" r:id="rId3"/>
     <p:sldId id="265" r:id="rId4"/>
     <p:sldId id="266" r:id="rId5"/>
+    <p:sldId id="267" r:id="rId6"/>
   </p:sldIdLst>
   <p:sldSz cx="12192000" cy="6858000"/>
   <p:notesSz cx="6858000" cy="9144000"/>
@@ -200,7 +201,7 @@
           <a:p>
             <a:fld id="{B491C608-FB8A-B746-B5EC-EC48D26026E4}" type="datetimeFigureOut">
               <a:rPr lang="en-US" smtClean="0"/>
-              <a:t>4/15/24</a:t>
+              <a:t>4/29/25</a:t>
             </a:fld>
             <a:endParaRPr lang="en-US"/>
           </a:p>
@@ -698,7 +699,7 @@
           <a:p>
             <a:fld id="{2ECE50B5-EA96-2742-AEC0-15E6B8979A22}" type="datetimeFigureOut">
               <a:rPr lang="en-US" smtClean="0"/>
-              <a:t>4/15/24</a:t>
+              <a:t>4/29/25</a:t>
             </a:fld>
             <a:endParaRPr lang="en-US"/>
           </a:p>
@@ -896,7 +897,7 @@
           <a:p>
             <a:fld id="{2ECE50B5-EA96-2742-AEC0-15E6B8979A22}" type="datetimeFigureOut">
               <a:rPr lang="en-US" smtClean="0"/>
-              <a:t>4/15/24</a:t>
+              <a:t>4/29/25</a:t>
             </a:fld>
             <a:endParaRPr lang="en-US"/>
           </a:p>
@@ -1104,7 +1105,7 @@
           <a:p>
             <a:fld id="{2ECE50B5-EA96-2742-AEC0-15E6B8979A22}" type="datetimeFigureOut">
               <a:rPr lang="en-US" smtClean="0"/>
-              <a:t>4/15/24</a:t>
+              <a:t>4/29/25</a:t>
             </a:fld>
             <a:endParaRPr lang="en-US"/>
           </a:p>
@@ -1302,7 +1303,7 @@
           <a:p>
             <a:fld id="{2ECE50B5-EA96-2742-AEC0-15E6B8979A22}" type="datetimeFigureOut">
               <a:rPr lang="en-US" smtClean="0"/>
-              <a:t>4/15/24</a:t>
+              <a:t>4/29/25</a:t>
             </a:fld>
             <a:endParaRPr lang="en-US"/>
           </a:p>
@@ -1577,7 +1578,7 @@
           <a:p>
             <a:fld id="{2ECE50B5-EA96-2742-AEC0-15E6B8979A22}" type="datetimeFigureOut">
               <a:rPr lang="en-US" smtClean="0"/>
-              <a:t>4/15/24</a:t>
+              <a:t>4/29/25</a:t>
             </a:fld>
             <a:endParaRPr lang="en-US"/>
           </a:p>
@@ -1842,7 +1843,7 @@
           <a:p>
             <a:fld id="{2ECE50B5-EA96-2742-AEC0-15E6B8979A22}" type="datetimeFigureOut">
               <a:rPr lang="en-US" smtClean="0"/>
-              <a:t>4/15/24</a:t>
+              <a:t>4/29/25</a:t>
             </a:fld>
             <a:endParaRPr lang="en-US"/>
           </a:p>
@@ -2254,7 +2255,7 @@
           <a:p>
             <a:fld id="{2ECE50B5-EA96-2742-AEC0-15E6B8979A22}" type="datetimeFigureOut">
               <a:rPr lang="en-US" smtClean="0"/>
-              <a:t>4/15/24</a:t>
+              <a:t>4/29/25</a:t>
             </a:fld>
             <a:endParaRPr lang="en-US"/>
           </a:p>
@@ -2395,7 +2396,7 @@
           <a:p>
             <a:fld id="{2ECE50B5-EA96-2742-AEC0-15E6B8979A22}" type="datetimeFigureOut">
               <a:rPr lang="en-US" smtClean="0"/>
-              <a:t>4/15/24</a:t>
+              <a:t>4/29/25</a:t>
             </a:fld>
             <a:endParaRPr lang="en-US"/>
           </a:p>
@@ -2508,7 +2509,7 @@
           <a:p>
             <a:fld id="{2ECE50B5-EA96-2742-AEC0-15E6B8979A22}" type="datetimeFigureOut">
               <a:rPr lang="en-US" smtClean="0"/>
-              <a:t>4/15/24</a:t>
+              <a:t>4/29/25</a:t>
             </a:fld>
             <a:endParaRPr lang="en-US"/>
           </a:p>
@@ -2819,7 +2820,7 @@
           <a:p>
             <a:fld id="{2ECE50B5-EA96-2742-AEC0-15E6B8979A22}" type="datetimeFigureOut">
               <a:rPr lang="en-US" smtClean="0"/>
-              <a:t>4/15/24</a:t>
+              <a:t>4/29/25</a:t>
             </a:fld>
             <a:endParaRPr lang="en-US"/>
           </a:p>
@@ -3107,7 +3108,7 @@
           <a:p>
             <a:fld id="{2ECE50B5-EA96-2742-AEC0-15E6B8979A22}" type="datetimeFigureOut">
               <a:rPr lang="en-US" smtClean="0"/>
-              <a:t>4/15/24</a:t>
+              <a:t>4/29/25</a:t>
             </a:fld>
             <a:endParaRPr lang="en-US"/>
           </a:p>
@@ -3348,7 +3349,7 @@
           <a:p>
             <a:fld id="{2ECE50B5-EA96-2742-AEC0-15E6B8979A22}" type="datetimeFigureOut">
               <a:rPr lang="en-US" smtClean="0"/>
-              <a:t>4/15/24</a:t>
+              <a:t>4/29/25</a:t>
             </a:fld>
             <a:endParaRPr lang="en-US"/>
           </a:p>
@@ -3981,8 +3982,8 @@
           </a:p>
         </p:txBody>
       </p:sp>
-      <mc:AlternateContent xmlns:mc="http://schemas.openxmlformats.org/markup-compatibility/2006">
-        <mc:Choice xmlns:a14="http://schemas.microsoft.com/office/drawing/2010/main" Requires="a14">
+      <mc:AlternateContent xmlns:mc="http://schemas.openxmlformats.org/markup-compatibility/2006" xmlns:a14="http://schemas.microsoft.com/office/drawing/2010/main">
+        <mc:Choice Requires="a14">
           <p:sp>
             <p:nvSpPr>
               <p:cNvPr id="11" name="TextBox 10">
@@ -4032,7 +4033,7 @@
             </p:txBody>
           </p:sp>
         </mc:Choice>
-        <mc:Fallback>
+        <mc:Fallback xmlns="">
           <p:sp>
             <p:nvSpPr>
               <p:cNvPr id="11" name="TextBox 10">
@@ -4675,8 +4676,8 @@
           </p:sp>
         </mc:Fallback>
       </mc:AlternateContent>
-      <mc:AlternateContent xmlns:mc="http://schemas.openxmlformats.org/markup-compatibility/2006">
-        <mc:Choice xmlns:a14="http://schemas.microsoft.com/office/drawing/2010/main" Requires="a14">
+      <mc:AlternateContent xmlns:mc="http://schemas.openxmlformats.org/markup-compatibility/2006" xmlns:a14="http://schemas.microsoft.com/office/drawing/2010/main">
+        <mc:Choice Requires="a14">
           <p:sp>
             <p:nvSpPr>
               <p:cNvPr id="23" name="TextBox 22">
@@ -4738,7 +4739,7 @@
             </p:txBody>
           </p:sp>
         </mc:Choice>
-        <mc:Fallback>
+        <mc:Fallback xmlns="">
           <p:sp>
             <p:nvSpPr>
               <p:cNvPr id="23" name="TextBox 22">
@@ -5299,8 +5300,8 @@
           </a:p>
         </p:txBody>
       </p:sp>
-      <mc:AlternateContent xmlns:mc="http://schemas.openxmlformats.org/markup-compatibility/2006">
-        <mc:Choice xmlns:a14="http://schemas.microsoft.com/office/drawing/2010/main" Requires="a14">
+      <mc:AlternateContent xmlns:mc="http://schemas.openxmlformats.org/markup-compatibility/2006" xmlns:a14="http://schemas.microsoft.com/office/drawing/2010/main">
+        <mc:Choice Requires="a14">
           <p:sp>
             <p:nvSpPr>
               <p:cNvPr id="24" name="TextBox 23">
@@ -5350,7 +5351,7 @@
             </p:txBody>
           </p:sp>
         </mc:Choice>
-        <mc:Fallback>
+        <mc:Fallback xmlns="">
           <p:sp>
             <p:nvSpPr>
               <p:cNvPr id="24" name="TextBox 23">
@@ -5395,8 +5396,8 @@
           </p:sp>
         </mc:Fallback>
       </mc:AlternateContent>
-      <mc:AlternateContent xmlns:mc="http://schemas.openxmlformats.org/markup-compatibility/2006">
-        <mc:Choice xmlns:a14="http://schemas.microsoft.com/office/drawing/2010/main" Requires="a14">
+      <mc:AlternateContent xmlns:mc="http://schemas.openxmlformats.org/markup-compatibility/2006" xmlns:a14="http://schemas.microsoft.com/office/drawing/2010/main">
+        <mc:Choice Requires="a14">
           <p:sp>
             <p:nvSpPr>
               <p:cNvPr id="25" name="TextBox 24">
@@ -5449,7 +5450,7 @@
             </p:txBody>
           </p:sp>
         </mc:Choice>
-        <mc:Fallback>
+        <mc:Fallback xmlns="">
           <p:sp>
             <p:nvSpPr>
               <p:cNvPr id="25" name="TextBox 24">
@@ -5494,8 +5495,8 @@
           </p:sp>
         </mc:Fallback>
       </mc:AlternateContent>
-      <mc:AlternateContent xmlns:mc="http://schemas.openxmlformats.org/markup-compatibility/2006">
-        <mc:Choice xmlns:a14="http://schemas.microsoft.com/office/drawing/2010/main" Requires="a14">
+      <mc:AlternateContent xmlns:mc="http://schemas.openxmlformats.org/markup-compatibility/2006" xmlns:a14="http://schemas.microsoft.com/office/drawing/2010/main">
+        <mc:Choice Requires="a14">
           <p:sp>
             <p:nvSpPr>
               <p:cNvPr id="28" name="TextBox 27">
@@ -5564,7 +5565,7 @@
             </p:txBody>
           </p:sp>
         </mc:Choice>
-        <mc:Fallback>
+        <mc:Fallback xmlns="">
           <p:sp>
             <p:nvSpPr>
               <p:cNvPr id="28" name="TextBox 27">
@@ -5609,8 +5610,8 @@
           </p:sp>
         </mc:Fallback>
       </mc:AlternateContent>
-      <mc:AlternateContent xmlns:mc="http://schemas.openxmlformats.org/markup-compatibility/2006">
-        <mc:Choice xmlns:a14="http://schemas.microsoft.com/office/drawing/2010/main" Requires="a14">
+      <mc:AlternateContent xmlns:mc="http://schemas.openxmlformats.org/markup-compatibility/2006" xmlns:a14="http://schemas.microsoft.com/office/drawing/2010/main">
+        <mc:Choice Requires="a14">
           <p:sp>
             <p:nvSpPr>
               <p:cNvPr id="5" name="TextBox 4">
@@ -5639,6 +5640,7 @@
               </a:bodyPr>
               <a:lstStyle/>
               <a:p>
+                <a:pPr/>
                 <a14:m>
                   <m:oMathPara xmlns:m="http://schemas.openxmlformats.org/officeDocument/2006/math">
                     <m:oMathParaPr>
@@ -5839,7 +5841,7 @@
             </p:txBody>
           </p:sp>
         </mc:Choice>
-        <mc:Fallback>
+        <mc:Fallback xmlns="">
           <p:sp>
             <p:nvSpPr>
               <p:cNvPr id="5" name="TextBox 4">
@@ -6076,8 +6078,8 @@
           </a:p>
         </p:txBody>
       </p:sp>
-      <mc:AlternateContent xmlns:mc="http://schemas.openxmlformats.org/markup-compatibility/2006">
-        <mc:Choice xmlns:a14="http://schemas.microsoft.com/office/drawing/2010/main" Requires="a14">
+      <mc:AlternateContent xmlns:mc="http://schemas.openxmlformats.org/markup-compatibility/2006" xmlns:a14="http://schemas.microsoft.com/office/drawing/2010/main">
+        <mc:Choice Requires="a14">
           <p:sp>
             <p:nvSpPr>
               <p:cNvPr id="24" name="TextBox 23">
@@ -6127,7 +6129,7 @@
             </p:txBody>
           </p:sp>
         </mc:Choice>
-        <mc:Fallback>
+        <mc:Fallback xmlns="">
           <p:sp>
             <p:nvSpPr>
               <p:cNvPr id="24" name="TextBox 23">
@@ -6172,8 +6174,8 @@
           </p:sp>
         </mc:Fallback>
       </mc:AlternateContent>
-      <mc:AlternateContent xmlns:mc="http://schemas.openxmlformats.org/markup-compatibility/2006">
-        <mc:Choice xmlns:a14="http://schemas.microsoft.com/office/drawing/2010/main" Requires="a14">
+      <mc:AlternateContent xmlns:mc="http://schemas.openxmlformats.org/markup-compatibility/2006" xmlns:a14="http://schemas.microsoft.com/office/drawing/2010/main">
+        <mc:Choice Requires="a14">
           <p:sp>
             <p:nvSpPr>
               <p:cNvPr id="25" name="TextBox 24">
@@ -6226,7 +6228,7 @@
             </p:txBody>
           </p:sp>
         </mc:Choice>
-        <mc:Fallback>
+        <mc:Fallback xmlns="">
           <p:sp>
             <p:nvSpPr>
               <p:cNvPr id="25" name="TextBox 24">
@@ -6271,8 +6273,8 @@
           </p:sp>
         </mc:Fallback>
       </mc:AlternateContent>
-      <mc:AlternateContent xmlns:mc="http://schemas.openxmlformats.org/markup-compatibility/2006">
-        <mc:Choice xmlns:a14="http://schemas.microsoft.com/office/drawing/2010/main" Requires="a14">
+      <mc:AlternateContent xmlns:mc="http://schemas.openxmlformats.org/markup-compatibility/2006" xmlns:a14="http://schemas.microsoft.com/office/drawing/2010/main">
+        <mc:Choice Requires="a14">
           <p:sp>
             <p:nvSpPr>
               <p:cNvPr id="28" name="TextBox 27">
@@ -6341,7 +6343,7 @@
             </p:txBody>
           </p:sp>
         </mc:Choice>
-        <mc:Fallback>
+        <mc:Fallback xmlns="">
           <p:sp>
             <p:nvSpPr>
               <p:cNvPr id="28" name="TextBox 27">
@@ -6386,8 +6388,8 @@
           </p:sp>
         </mc:Fallback>
       </mc:AlternateContent>
-      <mc:AlternateContent xmlns:mc="http://schemas.openxmlformats.org/markup-compatibility/2006">
-        <mc:Choice xmlns:a14="http://schemas.microsoft.com/office/drawing/2010/main" Requires="a14">
+      <mc:AlternateContent xmlns:mc="http://schemas.openxmlformats.org/markup-compatibility/2006" xmlns:a14="http://schemas.microsoft.com/office/drawing/2010/main">
+        <mc:Choice Requires="a14">
           <p:sp>
             <p:nvSpPr>
               <p:cNvPr id="5" name="TextBox 4">
@@ -6416,6 +6418,7 @@
               </a:bodyPr>
               <a:lstStyle/>
               <a:p>
+                <a:pPr/>
                 <a14:m>
                   <m:oMathPara xmlns:m="http://schemas.openxmlformats.org/officeDocument/2006/math">
                     <m:oMathParaPr>
@@ -6616,7 +6619,7 @@
             </p:txBody>
           </p:sp>
         </mc:Choice>
-        <mc:Fallback>
+        <mc:Fallback xmlns="">
           <p:sp>
             <p:nvSpPr>
               <p:cNvPr id="5" name="TextBox 4">
@@ -6853,8 +6856,8 @@
           </a:p>
         </p:txBody>
       </p:sp>
-      <mc:AlternateContent xmlns:mc="http://schemas.openxmlformats.org/markup-compatibility/2006">
-        <mc:Choice xmlns:a14="http://schemas.microsoft.com/office/drawing/2010/main" Requires="a14">
+      <mc:AlternateContent xmlns:mc="http://schemas.openxmlformats.org/markup-compatibility/2006" xmlns:a14="http://schemas.microsoft.com/office/drawing/2010/main">
+        <mc:Choice Requires="a14">
           <p:sp>
             <p:nvSpPr>
               <p:cNvPr id="24" name="TextBox 23">
@@ -6904,7 +6907,7 @@
             </p:txBody>
           </p:sp>
         </mc:Choice>
-        <mc:Fallback>
+        <mc:Fallback xmlns="">
           <p:sp>
             <p:nvSpPr>
               <p:cNvPr id="24" name="TextBox 23">
@@ -6949,8 +6952,8 @@
           </p:sp>
         </mc:Fallback>
       </mc:AlternateContent>
-      <mc:AlternateContent xmlns:mc="http://schemas.openxmlformats.org/markup-compatibility/2006">
-        <mc:Choice xmlns:a14="http://schemas.microsoft.com/office/drawing/2010/main" Requires="a14">
+      <mc:AlternateContent xmlns:mc="http://schemas.openxmlformats.org/markup-compatibility/2006" xmlns:a14="http://schemas.microsoft.com/office/drawing/2010/main">
+        <mc:Choice Requires="a14">
           <p:sp>
             <p:nvSpPr>
               <p:cNvPr id="25" name="TextBox 24">
@@ -7003,7 +7006,7 @@
             </p:txBody>
           </p:sp>
         </mc:Choice>
-        <mc:Fallback>
+        <mc:Fallback xmlns="">
           <p:sp>
             <p:nvSpPr>
               <p:cNvPr id="25" name="TextBox 24">
@@ -7048,8 +7051,8 @@
           </p:sp>
         </mc:Fallback>
       </mc:AlternateContent>
-      <mc:AlternateContent xmlns:mc="http://schemas.openxmlformats.org/markup-compatibility/2006">
-        <mc:Choice xmlns:a14="http://schemas.microsoft.com/office/drawing/2010/main" Requires="a14">
+      <mc:AlternateContent xmlns:mc="http://schemas.openxmlformats.org/markup-compatibility/2006" xmlns:a14="http://schemas.microsoft.com/office/drawing/2010/main">
+        <mc:Choice Requires="a14">
           <p:sp>
             <p:nvSpPr>
               <p:cNvPr id="28" name="TextBox 27">
@@ -7118,7 +7121,7 @@
             </p:txBody>
           </p:sp>
         </mc:Choice>
-        <mc:Fallback>
+        <mc:Fallback xmlns="">
           <p:sp>
             <p:nvSpPr>
               <p:cNvPr id="28" name="TextBox 27">
@@ -7163,8 +7166,8 @@
           </p:sp>
         </mc:Fallback>
       </mc:AlternateContent>
-      <mc:AlternateContent xmlns:mc="http://schemas.openxmlformats.org/markup-compatibility/2006">
-        <mc:Choice xmlns:a14="http://schemas.microsoft.com/office/drawing/2010/main" Requires="a14">
+      <mc:AlternateContent xmlns:mc="http://schemas.openxmlformats.org/markup-compatibility/2006" xmlns:a14="http://schemas.microsoft.com/office/drawing/2010/main">
+        <mc:Choice Requires="a14">
           <p:sp>
             <p:nvSpPr>
               <p:cNvPr id="5" name="TextBox 4">
@@ -7193,6 +7196,7 @@
               </a:bodyPr>
               <a:lstStyle/>
               <a:p>
+                <a:pPr/>
                 <a14:m>
                   <m:oMathPara xmlns:m="http://schemas.openxmlformats.org/officeDocument/2006/math">
                     <m:oMathParaPr>
@@ -7393,7 +7397,7 @@
             </p:txBody>
           </p:sp>
         </mc:Choice>
-        <mc:Fallback>
+        <mc:Fallback xmlns="">
           <p:sp>
             <p:nvSpPr>
               <p:cNvPr id="5" name="TextBox 4">
@@ -7438,8 +7442,8 @@
           </p:sp>
         </mc:Fallback>
       </mc:AlternateContent>
-      <mc:AlternateContent xmlns:mc="http://schemas.openxmlformats.org/markup-compatibility/2006">
-        <mc:Choice xmlns:a14="http://schemas.microsoft.com/office/drawing/2010/main" Requires="a14">
+      <mc:AlternateContent xmlns:mc="http://schemas.openxmlformats.org/markup-compatibility/2006" xmlns:a14="http://schemas.microsoft.com/office/drawing/2010/main">
+        <mc:Choice Requires="a14">
           <p:sp>
             <p:nvSpPr>
               <p:cNvPr id="2" name="TextBox 1">
@@ -7468,6 +7472,7 @@
               </a:bodyPr>
               <a:lstStyle/>
               <a:p>
+                <a:pPr/>
                 <a14:m>
                   <m:oMathPara xmlns:m="http://schemas.openxmlformats.org/officeDocument/2006/math">
                     <m:oMathParaPr>
@@ -7713,7 +7718,7 @@
             </p:txBody>
           </p:sp>
         </mc:Choice>
-        <mc:Fallback>
+        <mc:Fallback xmlns="">
           <p:sp>
             <p:nvSpPr>
               <p:cNvPr id="2" name="TextBox 1">
@@ -7758,8 +7763,8 @@
           </p:sp>
         </mc:Fallback>
       </mc:AlternateContent>
-      <mc:AlternateContent xmlns:mc="http://schemas.openxmlformats.org/markup-compatibility/2006">
-        <mc:Choice xmlns:a14="http://schemas.microsoft.com/office/drawing/2010/main" Requires="a14">
+      <mc:AlternateContent xmlns:mc="http://schemas.openxmlformats.org/markup-compatibility/2006" xmlns:a14="http://schemas.microsoft.com/office/drawing/2010/main">
+        <mc:Choice Requires="a14">
           <p:sp>
             <p:nvSpPr>
               <p:cNvPr id="3" name="TextBox 2">
@@ -7788,6 +7793,7 @@
               </a:bodyPr>
               <a:lstStyle/>
               <a:p>
+                <a:pPr/>
                 <a14:m>
                   <m:oMathPara xmlns:m="http://schemas.openxmlformats.org/officeDocument/2006/math">
                     <m:oMathParaPr>
@@ -8002,7 +8008,7 @@
             </p:txBody>
           </p:sp>
         </mc:Choice>
-        <mc:Fallback>
+        <mc:Fallback xmlns="">
           <p:sp>
             <p:nvSpPr>
               <p:cNvPr id="3" name="TextBox 2">
@@ -8213,6 +8219,208 @@
     <p:extLst>
       <p:ext uri="{BB962C8B-B14F-4D97-AF65-F5344CB8AC3E}">
         <p14:creationId xmlns:p14="http://schemas.microsoft.com/office/powerpoint/2010/main" val="3335565142"/>
+      </p:ext>
+    </p:extLst>
+  </p:cSld>
+  <p:clrMapOvr>
+    <a:masterClrMapping/>
+  </p:clrMapOvr>
+</p:sld>
+</file>
+
+<file path=ppt/slides/slide5.xml><?xml version="1.0" encoding="utf-8"?>
+<p:sld xmlns:a="http://schemas.openxmlformats.org/drawingml/2006/main" xmlns:r="http://schemas.openxmlformats.org/officeDocument/2006/relationships" xmlns:p="http://schemas.openxmlformats.org/presentationml/2006/main">
+  <p:cSld>
+    <p:spTree>
+      <p:nvGrpSpPr>
+        <p:cNvPr id="1" name="">
+          <a:extLst>
+            <a:ext uri="{FF2B5EF4-FFF2-40B4-BE49-F238E27FC236}">
+              <a16:creationId xmlns:a16="http://schemas.microsoft.com/office/drawing/2014/main" id="{24A79708-1FFC-B990-3E92-536735170B72}"/>
+            </a:ext>
+          </a:extLst>
+        </p:cNvPr>
+        <p:cNvGrpSpPr/>
+        <p:nvPr/>
+      </p:nvGrpSpPr>
+      <p:grpSpPr>
+        <a:xfrm>
+          <a:off x="0" y="0"/>
+          <a:ext cx="0" cy="0"/>
+          <a:chOff x="0" y="0"/>
+          <a:chExt cx="0" cy="0"/>
+        </a:xfrm>
+      </p:grpSpPr>
+      <p:sp>
+        <p:nvSpPr>
+          <p:cNvPr id="8" name="Curved Down Arrow 7">
+            <a:extLst>
+              <a:ext uri="{FF2B5EF4-FFF2-40B4-BE49-F238E27FC236}">
+                <a16:creationId xmlns:a16="http://schemas.microsoft.com/office/drawing/2014/main" id="{AF0CF283-A356-D70C-B4C7-90A7069A8AF2}"/>
+              </a:ext>
+            </a:extLst>
+          </p:cNvPr>
+          <p:cNvSpPr/>
+          <p:nvPr/>
+        </p:nvSpPr>
+        <p:spPr>
+          <a:xfrm rot="20303742" flipH="1">
+            <a:off x="3454717" y="1261673"/>
+            <a:ext cx="5337943" cy="1015717"/>
+          </a:xfrm>
+          <a:prstGeom prst="curvedDownArrow">
+            <a:avLst>
+              <a:gd name="adj1" fmla="val 12885"/>
+              <a:gd name="adj2" fmla="val 57296"/>
+              <a:gd name="adj3" fmla="val 25000"/>
+            </a:avLst>
+          </a:prstGeom>
+          <a:scene3d>
+            <a:camera prst="orthographicFront">
+              <a:rot lat="0" lon="600000" rev="20400000"/>
+            </a:camera>
+            <a:lightRig rig="threePt" dir="t"/>
+          </a:scene3d>
+        </p:spPr>
+        <p:style>
+          <a:lnRef idx="2">
+            <a:schemeClr val="accent1">
+              <a:shade val="50000"/>
+            </a:schemeClr>
+          </a:lnRef>
+          <a:fillRef idx="1">
+            <a:schemeClr val="accent1"/>
+          </a:fillRef>
+          <a:effectRef idx="0">
+            <a:schemeClr val="accent1"/>
+          </a:effectRef>
+          <a:fontRef idx="minor">
+            <a:schemeClr val="lt1"/>
+          </a:fontRef>
+        </p:style>
+        <p:txBody>
+          <a:bodyPr rtlCol="0" anchor="ctr"/>
+          <a:lstStyle/>
+          <a:p>
+            <a:pPr algn="ctr"/>
+            <a:endParaRPr lang="en-US">
+              <a:solidFill>
+                <a:schemeClr val="tx1"/>
+              </a:solidFill>
+            </a:endParaRPr>
+          </a:p>
+        </p:txBody>
+      </p:sp>
+      <p:pic>
+        <p:nvPicPr>
+          <p:cNvPr id="3" name="Picture 2">
+            <a:extLst>
+              <a:ext uri="{FF2B5EF4-FFF2-40B4-BE49-F238E27FC236}">
+                <a16:creationId xmlns:a16="http://schemas.microsoft.com/office/drawing/2014/main" id="{FB55BEFC-AC9A-887D-6D37-93DAB392E4A8}"/>
+              </a:ext>
+            </a:extLst>
+          </p:cNvPr>
+          <p:cNvPicPr>
+            <a:picLocks noChangeAspect="1"/>
+          </p:cNvPicPr>
+          <p:nvPr/>
+        </p:nvPicPr>
+        <p:blipFill>
+          <a:blip r:embed="rId2"/>
+          <a:stretch>
+            <a:fillRect/>
+          </a:stretch>
+        </p:blipFill>
+        <p:spPr>
+          <a:xfrm>
+            <a:off x="6394514" y="2402469"/>
+            <a:ext cx="4363511" cy="3102538"/>
+          </a:xfrm>
+          <a:prstGeom prst="rect">
+            <a:avLst/>
+          </a:prstGeom>
+        </p:spPr>
+      </p:pic>
+      <p:pic>
+        <p:nvPicPr>
+          <p:cNvPr id="5" name="Picture 4">
+            <a:extLst>
+              <a:ext uri="{FF2B5EF4-FFF2-40B4-BE49-F238E27FC236}">
+                <a16:creationId xmlns:a16="http://schemas.microsoft.com/office/drawing/2014/main" id="{1EC506DC-DBEF-C703-0F5C-151EBCE5F461}"/>
+              </a:ext>
+            </a:extLst>
+          </p:cNvPr>
+          <p:cNvPicPr>
+            <a:picLocks noChangeAspect="1"/>
+          </p:cNvPicPr>
+          <p:nvPr/>
+        </p:nvPicPr>
+        <p:blipFill>
+          <a:blip r:embed="rId3"/>
+          <a:stretch>
+            <a:fillRect/>
+          </a:stretch>
+        </p:blipFill>
+        <p:spPr>
+          <a:xfrm>
+            <a:off x="1158949" y="2402469"/>
+            <a:ext cx="4848447" cy="3244730"/>
+          </a:xfrm>
+          <a:prstGeom prst="rect">
+            <a:avLst/>
+          </a:prstGeom>
+        </p:spPr>
+      </p:pic>
+      <p:sp>
+        <p:nvSpPr>
+          <p:cNvPr id="11" name="TextBox 10">
+            <a:extLst>
+              <a:ext uri="{FF2B5EF4-FFF2-40B4-BE49-F238E27FC236}">
+                <a16:creationId xmlns:a16="http://schemas.microsoft.com/office/drawing/2014/main" id="{594E328E-FBB6-EC7D-F219-73BD628AD680}"/>
+              </a:ext>
+            </a:extLst>
+          </p:cNvPr>
+          <p:cNvSpPr txBox="1"/>
+          <p:nvPr/>
+        </p:nvSpPr>
+        <p:spPr>
+          <a:xfrm>
+            <a:off x="5646789" y="1441562"/>
+            <a:ext cx="1104598" cy="461665"/>
+          </a:xfrm>
+          <a:prstGeom prst="rect">
+            <a:avLst/>
+          </a:prstGeom>
+          <a:noFill/>
+        </p:spPr>
+        <p:txBody>
+          <a:bodyPr wrap="none" rtlCol="0">
+            <a:spAutoFit/>
+          </a:bodyPr>
+          <a:lstStyle/>
+          <a:p>
+            <a:r>
+              <a:rPr lang="en-US" sz="2400" b="1" dirty="0">
+                <a:latin typeface="Arial" panose="020B0604020202020204" pitchFamily="34" charset="0"/>
+              </a:rPr>
+              <a:t>u = A</a:t>
+            </a:r>
+            <a:r>
+              <a:rPr lang="en-US" sz="2400" b="1" i="1" dirty="0">
+                <a:latin typeface="Arial" panose="020B0604020202020204" pitchFamily="34" charset="0"/>
+              </a:rPr>
+              <a:t>v</a:t>
+            </a:r>
+            <a:endParaRPr lang="en-US" sz="2400" b="1" dirty="0">
+              <a:latin typeface="Arial" panose="020B0604020202020204" pitchFamily="34" charset="0"/>
+            </a:endParaRPr>
+          </a:p>
+        </p:txBody>
+      </p:sp>
+    </p:spTree>
+    <p:extLst>
+      <p:ext uri="{BB962C8B-B14F-4D97-AF65-F5344CB8AC3E}">
+        <p14:creationId xmlns:p14="http://schemas.microsoft.com/office/powerpoint/2010/main" val="161117729"/>
       </p:ext>
     </p:extLst>
   </p:cSld>
